--- a/figma_ppt/uiux-Figma.pptx
+++ b/figma_ppt/uiux-Figma.pptx
@@ -5,7 +5,7 @@
     <p:sldMasterId id="2147483648" r:id="rId1"/>
   </p:sldMasterIdLst>
   <p:notesMasterIdLst>
-    <p:notesMasterId r:id="rId17"/>
+    <p:notesMasterId r:id="rId20"/>
   </p:notesMasterIdLst>
   <p:sldIdLst>
     <p:sldId id="256" r:id="rId2"/>
@@ -16,13 +16,16 @@
     <p:sldId id="293" r:id="rId7"/>
     <p:sldId id="294" r:id="rId8"/>
     <p:sldId id="295" r:id="rId9"/>
-    <p:sldId id="296" r:id="rId10"/>
-    <p:sldId id="297" r:id="rId11"/>
-    <p:sldId id="298" r:id="rId12"/>
-    <p:sldId id="303" r:id="rId13"/>
-    <p:sldId id="299" r:id="rId14"/>
-    <p:sldId id="304" r:id="rId15"/>
-    <p:sldId id="305" r:id="rId16"/>
+    <p:sldId id="307" r:id="rId10"/>
+    <p:sldId id="296" r:id="rId11"/>
+    <p:sldId id="297" r:id="rId12"/>
+    <p:sldId id="306" r:id="rId13"/>
+    <p:sldId id="308" r:id="rId14"/>
+    <p:sldId id="298" r:id="rId15"/>
+    <p:sldId id="303" r:id="rId16"/>
+    <p:sldId id="299" r:id="rId17"/>
+    <p:sldId id="304" r:id="rId18"/>
+    <p:sldId id="305" r:id="rId19"/>
   </p:sldIdLst>
   <p:sldSz cx="9906000" cy="6858000" type="A4"/>
   <p:notesSz cx="6858000" cy="9144000"/>
@@ -222,7 +225,7 @@
           <a:p>
             <a:fld id="{7665CDAC-D627-4E87-877A-1B781DD4CADC}" type="datetimeFigureOut">
               <a:rPr lang="ko-KR" altLang="en-US" smtClean="0"/>
-              <a:t>2023-07-05</a:t>
+              <a:t>2023-07-11</a:t>
             </a:fld>
             <a:endParaRPr lang="ko-KR" altLang="en-US"/>
           </a:p>
@@ -636,7 +639,7 @@
           <a:p>
             <a:fld id="{C25BCFD5-C4DF-4EBC-B718-C69ED2FBDE6F}" type="datetime1">
               <a:rPr lang="ko-KR" altLang="en-US" smtClean="0"/>
-              <a:t>2023-07-05</a:t>
+              <a:t>2023-07-11</a:t>
             </a:fld>
             <a:endParaRPr lang="ko-KR" altLang="en-US"/>
           </a:p>
@@ -1059,7 +1062,7 @@
           <a:p>
             <a:fld id="{AB448CD7-D367-43D5-B461-ACE552E75063}" type="datetime1">
               <a:rPr lang="ko-KR" altLang="en-US" smtClean="0"/>
-              <a:t>2023-07-05</a:t>
+              <a:t>2023-07-11</a:t>
             </a:fld>
             <a:endParaRPr lang="ko-KR" altLang="en-US"/>
           </a:p>
@@ -1239,7 +1242,7 @@
           <a:p>
             <a:fld id="{B6E49E79-7361-4780-8BEF-7EDE3708298A}" type="datetime1">
               <a:rPr lang="ko-KR" altLang="en-US" smtClean="0"/>
-              <a:t>2023-07-05</a:t>
+              <a:t>2023-07-11</a:t>
             </a:fld>
             <a:endParaRPr lang="ko-KR" altLang="en-US"/>
           </a:p>
@@ -1413,7 +1416,7 @@
           <a:p>
             <a:fld id="{A4D42E3C-B70B-437C-85CF-1286301B9CBA}" type="datetime1">
               <a:rPr lang="ko-KR" altLang="en-US" smtClean="0"/>
-              <a:t>2023-07-05</a:t>
+              <a:t>2023-07-11</a:t>
             </a:fld>
             <a:endParaRPr lang="ko-KR" altLang="en-US"/>
           </a:p>
@@ -1659,7 +1662,7 @@
           <a:p>
             <a:fld id="{B3369A20-5B3D-4D98-A822-26B93D177A40}" type="datetime1">
               <a:rPr lang="ko-KR" altLang="en-US" smtClean="0"/>
-              <a:t>2023-07-05</a:t>
+              <a:t>2023-07-11</a:t>
             </a:fld>
             <a:endParaRPr lang="ko-KR" altLang="en-US"/>
           </a:p>
@@ -1947,7 +1950,7 @@
           <a:p>
             <a:fld id="{685CD4CE-9E43-4F70-A9D8-A2130CA7D92A}" type="datetime1">
               <a:rPr lang="ko-KR" altLang="en-US" smtClean="0"/>
-              <a:t>2023-07-05</a:t>
+              <a:t>2023-07-11</a:t>
             </a:fld>
             <a:endParaRPr lang="ko-KR" altLang="en-US"/>
           </a:p>
@@ -2369,7 +2372,7 @@
           <a:p>
             <a:fld id="{F752BD92-DA3E-4A0B-90C9-7DE5E15B6E96}" type="datetime1">
               <a:rPr lang="ko-KR" altLang="en-US" smtClean="0"/>
-              <a:t>2023-07-05</a:t>
+              <a:t>2023-07-11</a:t>
             </a:fld>
             <a:endParaRPr lang="ko-KR" altLang="en-US"/>
           </a:p>
@@ -2487,7 +2490,7 @@
           <a:p>
             <a:fld id="{8EA2B83A-F366-424E-B742-340ACF856BB5}" type="datetime1">
               <a:rPr lang="ko-KR" altLang="en-US" smtClean="0"/>
-              <a:t>2023-07-05</a:t>
+              <a:t>2023-07-11</a:t>
             </a:fld>
             <a:endParaRPr lang="ko-KR" altLang="en-US"/>
           </a:p>
@@ -2582,7 +2585,7 @@
           <a:p>
             <a:fld id="{9A49D68B-5DBD-48E9-A8D4-FCBC4B3DD9C6}" type="datetime1">
               <a:rPr lang="ko-KR" altLang="en-US" smtClean="0"/>
-              <a:t>2023-07-05</a:t>
+              <a:t>2023-07-11</a:t>
             </a:fld>
             <a:endParaRPr lang="ko-KR" altLang="en-US"/>
           </a:p>
@@ -2859,7 +2862,7 @@
           <a:p>
             <a:fld id="{4CAB534F-7D16-467B-9320-91F98915D181}" type="datetime1">
               <a:rPr lang="ko-KR" altLang="en-US" smtClean="0"/>
-              <a:t>2023-07-05</a:t>
+              <a:t>2023-07-11</a:t>
             </a:fld>
             <a:endParaRPr lang="ko-KR" altLang="en-US"/>
           </a:p>
@@ -3112,7 +3115,7 @@
           <a:p>
             <a:fld id="{A390A91F-2F8D-4486-A69D-D680F95444B0}" type="datetime1">
               <a:rPr lang="ko-KR" altLang="en-US" smtClean="0"/>
-              <a:t>2023-07-05</a:t>
+              <a:t>2023-07-11</a:t>
             </a:fld>
             <a:endParaRPr lang="ko-KR" altLang="en-US"/>
           </a:p>
@@ -3292,7 +3295,7 @@
           <a:p>
             <a:fld id="{2238BBEA-E8DD-414A-BF68-FC2AFA7CFF2D}" type="datetime1">
               <a:rPr lang="ko-KR" altLang="en-US" smtClean="0"/>
-              <a:t>2023-07-05</a:t>
+              <a:t>2023-07-11</a:t>
             </a:fld>
             <a:endParaRPr lang="ko-KR" altLang="en-US"/>
           </a:p>
@@ -4314,8 +4317,8 @@
         </p:nvSpPr>
         <p:spPr>
           <a:xfrm>
-            <a:off x="704528" y="1336993"/>
-            <a:ext cx="8496944" cy="1338828"/>
+            <a:off x="704528" y="1196752"/>
+            <a:ext cx="8496944" cy="454292"/>
           </a:xfrm>
           <a:prstGeom prst="rect">
             <a:avLst/>
@@ -4327,85 +4330,149 @@
           </a:bodyPr>
           <a:lstStyle/>
           <a:p>
-            <a:pPr>
+            <a:pPr marL="285750" indent="-285750">
               <a:lnSpc>
                 <a:spcPct val="150000"/>
               </a:lnSpc>
+              <a:buFont typeface="Wingdings" panose="05000000000000000000" pitchFamily="2" charset="2"/>
+              <a:buChar char="§"/>
             </a:pPr>
             <a:r>
               <a:rPr lang="en-US" altLang="ko-KR" b="1" dirty="0" smtClean="0"/>
-              <a:t>    - shape </a:t>
+              <a:t>shape </a:t>
             </a:r>
             <a:r>
               <a:rPr lang="ko-KR" altLang="en-US" b="1" dirty="0" smtClean="0"/>
-              <a:t>툴 사용</a:t>
-            </a:r>
-            <a:endParaRPr lang="en-US" altLang="ko-KR" b="1" dirty="0" smtClean="0"/>
-          </a:p>
-          <a:p>
-            <a:pPr>
+              <a:t>툴 </a:t>
+            </a:r>
+            <a:r>
+              <a:rPr lang="en-US" altLang="ko-KR" b="1" dirty="0" smtClean="0"/>
+              <a:t>– </a:t>
+            </a:r>
+            <a:r>
+              <a:rPr lang="ko-KR" altLang="en-US" b="1" dirty="0" smtClean="0"/>
+              <a:t>사각형 </a:t>
+            </a:r>
+            <a:r>
+              <a:rPr lang="en-US" altLang="ko-KR" b="1" dirty="0" smtClean="0"/>
+              <a:t>, </a:t>
+            </a:r>
+            <a:r>
+              <a:rPr lang="ko-KR" altLang="en-US" b="1" dirty="0" smtClean="0"/>
+              <a:t>원형</a:t>
+            </a:r>
+            <a:endParaRPr lang="en-US" altLang="ko-KR" sz="2000" b="1" dirty="0"/>
+          </a:p>
+        </p:txBody>
+      </p:sp>
+      <p:sp>
+        <p:nvSpPr>
+          <p:cNvPr id="3" name="TextBox 2"/>
+          <p:cNvSpPr txBox="1"/>
+          <p:nvPr/>
+        </p:nvSpPr>
+        <p:spPr>
+          <a:xfrm>
+            <a:off x="1318631" y="1700808"/>
+            <a:ext cx="4608512" cy="1338828"/>
+          </a:xfrm>
+          <a:prstGeom prst="rect">
+            <a:avLst/>
+          </a:prstGeom>
+          <a:noFill/>
+        </p:spPr>
+        <p:txBody>
+          <a:bodyPr wrap="square" rtlCol="0">
+            <a:spAutoFit/>
+          </a:bodyPr>
+          <a:lstStyle/>
+          <a:p>
+            <a:pPr marL="285750" indent="-285750">
               <a:lnSpc>
                 <a:spcPct val="150000"/>
               </a:lnSpc>
+              <a:buFont typeface="Arial" panose="020B0604020202020204" pitchFamily="34" charset="0"/>
+              <a:buChar char="•"/>
             </a:pPr>
             <a:r>
-              <a:rPr lang="en-US" altLang="ko-KR" b="1" dirty="0"/>
-              <a:t> </a:t>
-            </a:r>
-            <a:r>
-              <a:rPr lang="en-US" altLang="ko-KR" b="1" dirty="0" smtClean="0"/>
-              <a:t>     </a:t>
-            </a:r>
-            <a:r>
-              <a:rPr lang="ko-KR" altLang="en-US" b="1" dirty="0" smtClean="0"/>
-              <a:t>원형</a:t>
-            </a:r>
-            <a:r>
-              <a:rPr lang="en-US" altLang="ko-KR" b="1" dirty="0" smtClean="0"/>
-              <a:t>(Ellipse) – </a:t>
-            </a:r>
-            <a:r>
-              <a:rPr lang="ko-KR" altLang="en-US" b="1" dirty="0" smtClean="0"/>
-              <a:t>이미지 넣기</a:t>
-            </a:r>
-            <a:r>
-              <a:rPr lang="en-US" altLang="ko-KR" b="1" dirty="0" smtClean="0"/>
-              <a:t>(Fill – image)</a:t>
-            </a:r>
-          </a:p>
-          <a:p>
-            <a:pPr>
+              <a:rPr lang="en-US" altLang="ko-KR" dirty="0" smtClean="0"/>
+              <a:t>[Alt]</a:t>
+            </a:r>
+            <a:r>
+              <a:rPr lang="ko-KR" altLang="en-US" dirty="0" smtClean="0"/>
+              <a:t>키는 중심 기준으로 그리는 단축키</a:t>
+            </a:r>
+            <a:endParaRPr lang="en-US" altLang="ko-KR" dirty="0" smtClean="0"/>
+          </a:p>
+          <a:p>
+            <a:pPr marL="285750" indent="-285750">
               <a:lnSpc>
                 <a:spcPct val="150000"/>
               </a:lnSpc>
+              <a:buFont typeface="Arial" panose="020B0604020202020204" pitchFamily="34" charset="0"/>
+              <a:buChar char="•"/>
             </a:pPr>
             <a:r>
-              <a:rPr lang="en-US" altLang="ko-KR" b="1" dirty="0"/>
-              <a:t> </a:t>
-            </a:r>
-            <a:r>
-              <a:rPr lang="en-US" altLang="ko-KR" b="1" dirty="0" smtClean="0"/>
-              <a:t>     </a:t>
-            </a:r>
-            <a:r>
-              <a:rPr lang="ko-KR" altLang="en-US" b="1" dirty="0" smtClean="0"/>
-              <a:t>선</a:t>
-            </a:r>
-            <a:r>
-              <a:rPr lang="en-US" altLang="ko-KR" b="1" dirty="0" smtClean="0"/>
-              <a:t>, </a:t>
-            </a:r>
-            <a:r>
-              <a:rPr lang="ko-KR" altLang="en-US" b="1" dirty="0" smtClean="0"/>
-              <a:t>별 등 그리기</a:t>
-            </a:r>
-            <a:endParaRPr lang="en-US" altLang="ko-KR" b="1" dirty="0" smtClean="0"/>
+              <a:rPr lang="en-US" altLang="ko-KR" dirty="0" smtClean="0"/>
+              <a:t>[Shift]</a:t>
+            </a:r>
+            <a:r>
+              <a:rPr lang="ko-KR" altLang="en-US" dirty="0" smtClean="0"/>
+              <a:t>키는 </a:t>
+            </a:r>
+            <a:r>
+              <a:rPr lang="ko-KR" altLang="en-US" dirty="0" err="1" smtClean="0"/>
+              <a:t>정비율로</a:t>
+            </a:r>
+            <a:r>
+              <a:rPr lang="ko-KR" altLang="en-US" dirty="0" smtClean="0"/>
+              <a:t> 그리는 단축키</a:t>
+            </a:r>
+            <a:endParaRPr lang="en-US" altLang="ko-KR" dirty="0" smtClean="0"/>
+          </a:p>
+          <a:p>
+            <a:pPr marL="285750" indent="-285750">
+              <a:lnSpc>
+                <a:spcPct val="150000"/>
+              </a:lnSpc>
+              <a:buFont typeface="Arial" panose="020B0604020202020204" pitchFamily="34" charset="0"/>
+              <a:buChar char="•"/>
+            </a:pPr>
+            <a:r>
+              <a:rPr lang="en-US" altLang="ko-KR" dirty="0" smtClean="0"/>
+              <a:t>Fill(</a:t>
+            </a:r>
+            <a:r>
+              <a:rPr lang="ko-KR" altLang="en-US" dirty="0" smtClean="0"/>
+              <a:t>채우기</a:t>
+            </a:r>
+            <a:r>
+              <a:rPr lang="en-US" altLang="ko-KR" dirty="0" smtClean="0"/>
+              <a:t>-</a:t>
+            </a:r>
+            <a:r>
+              <a:rPr lang="ko-KR" altLang="en-US" dirty="0" smtClean="0"/>
+              <a:t>면</a:t>
+            </a:r>
+            <a:r>
+              <a:rPr lang="en-US" altLang="ko-KR" dirty="0" smtClean="0"/>
+              <a:t>),  Stroke(</a:t>
+            </a:r>
+            <a:r>
+              <a:rPr lang="ko-KR" altLang="en-US" dirty="0" smtClean="0"/>
+              <a:t>테두리</a:t>
+            </a:r>
+            <a:r>
+              <a:rPr lang="en-US" altLang="ko-KR" dirty="0" smtClean="0"/>
+              <a:t>)</a:t>
+            </a:r>
+            <a:endParaRPr lang="ko-KR" altLang="en-US" dirty="0"/>
           </a:p>
         </p:txBody>
       </p:sp>
       <p:pic>
         <p:nvPicPr>
-          <p:cNvPr id="3" name="그림 2"/>
+          <p:cNvPr id="17" name="그림 16"/>
           <p:cNvPicPr>
             <a:picLocks noChangeAspect="1"/>
           </p:cNvPicPr>
@@ -4425,8 +4492,8 @@
         </p:blipFill>
         <p:spPr>
           <a:xfrm>
-            <a:off x="2520235" y="2636912"/>
-            <a:ext cx="2448272" cy="1674686"/>
+            <a:off x="5815566" y="2780928"/>
+            <a:ext cx="3037867" cy="3412469"/>
           </a:xfrm>
           <a:prstGeom prst="rect">
             <a:avLst/>
@@ -4442,7 +4509,7 @@
       </p:pic>
       <p:pic>
         <p:nvPicPr>
-          <p:cNvPr id="10" name="그림 9"/>
+          <p:cNvPr id="18" name="그림 17"/>
           <p:cNvPicPr>
             <a:picLocks noChangeAspect="1"/>
           </p:cNvPicPr>
@@ -4462,8 +4529,8 @@
         </p:blipFill>
         <p:spPr>
           <a:xfrm>
-            <a:off x="5889104" y="2558230"/>
-            <a:ext cx="2286198" cy="2926334"/>
+            <a:off x="2000672" y="3179070"/>
+            <a:ext cx="2795843" cy="2928662"/>
           </a:xfrm>
           <a:prstGeom prst="rect">
             <a:avLst/>
@@ -4477,47 +4544,10 @@
           </a:ln>
         </p:spPr>
       </p:pic>
-      <p:pic>
-        <p:nvPicPr>
-          <p:cNvPr id="11" name="그림 10"/>
-          <p:cNvPicPr>
-            <a:picLocks noChangeAspect="1"/>
-          </p:cNvPicPr>
-          <p:nvPr/>
-        </p:nvPicPr>
-        <p:blipFill>
-          <a:blip r:embed="rId4">
-            <a:extLst>
-              <a:ext uri="{28A0092B-C50C-407E-A947-70E740481C1C}">
-                <a14:useLocalDpi xmlns:a14="http://schemas.microsoft.com/office/drawing/2010/main" val="0"/>
-              </a:ext>
-            </a:extLst>
-          </a:blip>
-          <a:stretch>
-            <a:fillRect/>
-          </a:stretch>
-        </p:blipFill>
-        <p:spPr>
-          <a:xfrm>
-            <a:off x="2516488" y="4509119"/>
-            <a:ext cx="3017782" cy="1950889"/>
-          </a:xfrm>
-          <a:prstGeom prst="rect">
-            <a:avLst/>
-          </a:prstGeom>
-          <a:ln>
-            <a:solidFill>
-              <a:schemeClr val="bg1">
-                <a:lumMod val="85000"/>
-              </a:schemeClr>
-            </a:solidFill>
-          </a:ln>
-        </p:spPr>
-      </p:pic>
     </p:spTree>
     <p:extLst>
       <p:ext uri="{BB962C8B-B14F-4D97-AF65-F5344CB8AC3E}">
-        <p14:creationId xmlns:p14="http://schemas.microsoft.com/office/powerpoint/2010/main" val="796852616"/>
+        <p14:creationId xmlns:p14="http://schemas.microsoft.com/office/powerpoint/2010/main" val="2582541842"/>
       </p:ext>
     </p:extLst>
   </p:cSld>
@@ -4624,8 +4654,8 @@
         </p:nvSpPr>
         <p:spPr>
           <a:xfrm>
-            <a:off x="704528" y="1336993"/>
-            <a:ext cx="8496944" cy="1754326"/>
+            <a:off x="704528" y="1196752"/>
+            <a:ext cx="8496944" cy="1338828"/>
           </a:xfrm>
           <a:prstGeom prst="rect">
             <a:avLst/>
@@ -4644,7 +4674,7 @@
             </a:pPr>
             <a:r>
               <a:rPr lang="en-US" altLang="ko-KR" b="1" dirty="0" smtClean="0"/>
-              <a:t>    - Text </a:t>
+              <a:t>    - shape </a:t>
             </a:r>
             <a:r>
               <a:rPr lang="ko-KR" altLang="en-US" b="1" dirty="0" smtClean="0"/>
@@ -4664,13 +4694,24 @@
             </a:r>
             <a:r>
               <a:rPr lang="en-US" altLang="ko-KR" b="1" dirty="0" smtClean="0"/>
-              <a:t>      - </a:t>
+              <a:t>     </a:t>
             </a:r>
             <a:r>
               <a:rPr lang="ko-KR" altLang="en-US" b="1" dirty="0" smtClean="0"/>
-              <a:t>한 줄 쓰기</a:t>
-            </a:r>
-            <a:endParaRPr lang="en-US" altLang="ko-KR" b="1" dirty="0" smtClean="0"/>
+              <a:t>원형</a:t>
+            </a:r>
+            <a:r>
+              <a:rPr lang="en-US" altLang="ko-KR" b="1" dirty="0" smtClean="0"/>
+              <a:t>(Ellipse) – </a:t>
+            </a:r>
+            <a:r>
+              <a:rPr lang="ko-KR" altLang="en-US" b="1" dirty="0" smtClean="0"/>
+              <a:t>이미지 넣기</a:t>
+            </a:r>
+            <a:r>
+              <a:rPr lang="en-US" altLang="ko-KR" b="1" dirty="0" smtClean="0"/>
+              <a:t>(Fill – image)</a:t>
+            </a:r>
           </a:p>
           <a:p>
             <a:pPr>
@@ -4684,50 +4725,11 @@
             </a:r>
             <a:r>
               <a:rPr lang="en-US" altLang="ko-KR" b="1" dirty="0" smtClean="0"/>
-              <a:t>      - </a:t>
+              <a:t>     </a:t>
             </a:r>
             <a:r>
               <a:rPr lang="ko-KR" altLang="en-US" b="1" dirty="0" smtClean="0"/>
-              <a:t>문단</a:t>
-            </a:r>
-            <a:r>
-              <a:rPr lang="en-US" altLang="ko-KR" b="1" dirty="0" smtClean="0"/>
-              <a:t>(paragraph)</a:t>
-            </a:r>
-          </a:p>
-          <a:p>
-            <a:pPr>
-              <a:lnSpc>
-                <a:spcPct val="150000"/>
-              </a:lnSpc>
-            </a:pPr>
-            <a:r>
-              <a:rPr lang="en-US" altLang="ko-KR" b="1" dirty="0"/>
-              <a:t> </a:t>
-            </a:r>
-            <a:r>
-              <a:rPr lang="en-US" altLang="ko-KR" b="1" dirty="0" smtClean="0"/>
-              <a:t>        </a:t>
-            </a:r>
-            <a:r>
-              <a:rPr lang="ko-KR" altLang="en-US" b="1" dirty="0" smtClean="0"/>
-              <a:t>편집 모드 </a:t>
-            </a:r>
-            <a:r>
-              <a:rPr lang="en-US" altLang="ko-KR" b="1" dirty="0" smtClean="0"/>
-              <a:t>: </a:t>
-            </a:r>
-            <a:r>
-              <a:rPr lang="ko-KR" altLang="en-US" b="1" dirty="0" smtClean="0"/>
-              <a:t>더블 클릭 </a:t>
-            </a:r>
-            <a:r>
-              <a:rPr lang="en-US" altLang="ko-KR" b="1" dirty="0" smtClean="0"/>
-              <a:t>– </a:t>
-            </a:r>
-            <a:r>
-              <a:rPr lang="ko-KR" altLang="en-US" b="1" dirty="0" smtClean="0"/>
-              <a:t>글꼴</a:t>
+              <a:t>선</a:t>
             </a:r>
             <a:r>
               <a:rPr lang="en-US" altLang="ko-KR" b="1" dirty="0" smtClean="0"/>
@@ -4735,34 +4737,15 @@
             </a:r>
             <a:r>
               <a:rPr lang="ko-KR" altLang="en-US" b="1" dirty="0" smtClean="0"/>
-              <a:t>크기</a:t>
-            </a:r>
-            <a:r>
-              <a:rPr lang="en-US" altLang="ko-KR" b="1" dirty="0" smtClean="0"/>
-              <a:t>, </a:t>
-            </a:r>
-            <a:r>
-              <a:rPr lang="ko-KR" altLang="en-US" b="1" dirty="0" smtClean="0"/>
-              <a:t>문단 간격</a:t>
-            </a:r>
-            <a:r>
-              <a:rPr lang="en-US" altLang="ko-KR" b="1" dirty="0" smtClean="0"/>
-              <a:t>, </a:t>
-            </a:r>
-            <a:r>
-              <a:rPr lang="ko-KR" altLang="en-US" b="1" dirty="0" smtClean="0"/>
-              <a:t>정렬 등</a:t>
-            </a:r>
-            <a:r>
-              <a:rPr lang="en-US" altLang="ko-KR" b="1" dirty="0" smtClean="0"/>
-              <a:t>  </a:t>
-            </a:r>
+              <a:t>별 등 그리기</a:t>
+            </a:r>
+            <a:endParaRPr lang="en-US" altLang="ko-KR" b="1" dirty="0" smtClean="0"/>
           </a:p>
         </p:txBody>
       </p:sp>
       <p:pic>
         <p:nvPicPr>
-          <p:cNvPr id="8" name="그림 7"/>
+          <p:cNvPr id="3" name="그림 2"/>
           <p:cNvPicPr>
             <a:picLocks noChangeAspect="1"/>
           </p:cNvPicPr>
@@ -4782,8 +4765,8 @@
         </p:blipFill>
         <p:spPr>
           <a:xfrm>
-            <a:off x="1712640" y="3243273"/>
-            <a:ext cx="4526673" cy="2530059"/>
+            <a:off x="2520235" y="2636912"/>
+            <a:ext cx="2448272" cy="1674686"/>
           </a:xfrm>
           <a:prstGeom prst="rect">
             <a:avLst/>
@@ -4799,13 +4782,13 @@
       </p:pic>
       <p:pic>
         <p:nvPicPr>
-          <p:cNvPr id="9" name="그림 8"/>
+          <p:cNvPr id="10" name="그림 9"/>
           <p:cNvPicPr>
             <a:picLocks noChangeAspect="1"/>
           </p:cNvPicPr>
           <p:nvPr/>
         </p:nvPicPr>
-        <p:blipFill rotWithShape="1">
+        <p:blipFill>
           <a:blip r:embed="rId3">
             <a:extLst>
               <a:ext uri="{28A0092B-C50C-407E-A947-70E740481C1C}">
@@ -4813,13 +4796,14 @@
               </a:ext>
             </a:extLst>
           </a:blip>
-          <a:srcRect t="46616"/>
-          <a:stretch/>
+          <a:stretch>
+            <a:fillRect/>
+          </a:stretch>
         </p:blipFill>
         <p:spPr>
           <a:xfrm>
-            <a:off x="6679033" y="3429000"/>
-            <a:ext cx="2522439" cy="1582543"/>
+            <a:off x="5889104" y="2558230"/>
+            <a:ext cx="2286198" cy="2926334"/>
           </a:xfrm>
           <a:prstGeom prst="rect">
             <a:avLst/>
@@ -4833,10 +4817,47 @@
           </a:ln>
         </p:spPr>
       </p:pic>
+      <p:pic>
+        <p:nvPicPr>
+          <p:cNvPr id="11" name="그림 10"/>
+          <p:cNvPicPr>
+            <a:picLocks noChangeAspect="1"/>
+          </p:cNvPicPr>
+          <p:nvPr/>
+        </p:nvPicPr>
+        <p:blipFill>
+          <a:blip r:embed="rId4">
+            <a:extLst>
+              <a:ext uri="{28A0092B-C50C-407E-A947-70E740481C1C}">
+                <a14:useLocalDpi xmlns:a14="http://schemas.microsoft.com/office/drawing/2010/main" val="0"/>
+              </a:ext>
+            </a:extLst>
+          </a:blip>
+          <a:stretch>
+            <a:fillRect/>
+          </a:stretch>
+        </p:blipFill>
+        <p:spPr>
+          <a:xfrm>
+            <a:off x="2516488" y="4509119"/>
+            <a:ext cx="3017782" cy="1950889"/>
+          </a:xfrm>
+          <a:prstGeom prst="rect">
+            <a:avLst/>
+          </a:prstGeom>
+          <a:ln>
+            <a:solidFill>
+              <a:schemeClr val="bg1">
+                <a:lumMod val="85000"/>
+              </a:schemeClr>
+            </a:solidFill>
+          </a:ln>
+        </p:spPr>
+      </p:pic>
     </p:spTree>
     <p:extLst>
       <p:ext uri="{BB962C8B-B14F-4D97-AF65-F5344CB8AC3E}">
-        <p14:creationId xmlns:p14="http://schemas.microsoft.com/office/powerpoint/2010/main" val="1843281596"/>
+        <p14:creationId xmlns:p14="http://schemas.microsoft.com/office/powerpoint/2010/main" val="796852616"/>
       </p:ext>
     </p:extLst>
   </p:cSld>
@@ -4906,7 +4927,7 @@
             </a:r>
             <a:r>
               <a:rPr lang="en-US" altLang="ko-KR" sz="2800" dirty="0" smtClean="0"/>
-              <a:t>- comment</a:t>
+              <a:t>- Shape</a:t>
             </a:r>
             <a:endParaRPr lang="ko-KR" altLang="en-US" sz="2800" dirty="0"/>
           </a:p>
@@ -4943,8 +4964,8 @@
         </p:nvSpPr>
         <p:spPr>
           <a:xfrm>
-            <a:off x="704528" y="1336993"/>
-            <a:ext cx="8496944" cy="869790"/>
+            <a:off x="992560" y="1336993"/>
+            <a:ext cx="8496944" cy="454292"/>
           </a:xfrm>
           <a:prstGeom prst="rect">
             <a:avLst/>
@@ -4956,46 +4977,24 @@
           </a:bodyPr>
           <a:lstStyle/>
           <a:p>
-            <a:pPr>
+            <a:pPr marL="285750" indent="-285750">
               <a:lnSpc>
                 <a:spcPct val="150000"/>
               </a:lnSpc>
+              <a:buFont typeface="Wingdings" panose="05000000000000000000" pitchFamily="2" charset="2"/>
+              <a:buChar char="l"/>
             </a:pPr>
             <a:r>
+              <a:rPr lang="ko-KR" altLang="en-US" b="1" dirty="0" smtClean="0"/>
+              <a:t>예제 그리기 </a:t>
+            </a:r>
+            <a:r>
               <a:rPr lang="en-US" altLang="ko-KR" b="1" dirty="0" smtClean="0"/>
-              <a:t>    - comment </a:t>
-            </a:r>
-            <a:r>
-              <a:rPr lang="ko-KR" altLang="en-US" b="1" dirty="0" smtClean="0"/>
-              <a:t>툴 사용</a:t>
-            </a:r>
-            <a:endParaRPr lang="en-US" altLang="ko-KR" b="1" dirty="0" smtClean="0"/>
-          </a:p>
-          <a:p>
-            <a:pPr>
-              <a:lnSpc>
-                <a:spcPct val="150000"/>
-              </a:lnSpc>
-            </a:pPr>
-            <a:r>
-              <a:rPr lang="en-US" altLang="ko-KR" b="1" dirty="0"/>
-              <a:t> </a:t>
-            </a:r>
-            <a:r>
-              <a:rPr lang="en-US" altLang="ko-KR" b="1" dirty="0" smtClean="0"/>
-              <a:t>      </a:t>
-            </a:r>
-            <a:r>
-              <a:rPr lang="ko-KR" altLang="en-US" b="1" dirty="0" smtClean="0"/>
-              <a:t>상단 메뉴 </a:t>
-            </a:r>
-            <a:r>
-              <a:rPr lang="en-US" altLang="ko-KR" b="1" dirty="0" smtClean="0"/>
-              <a:t>comment </a:t>
-            </a:r>
-            <a:r>
-              <a:rPr lang="ko-KR" altLang="en-US" b="1" dirty="0" smtClean="0"/>
-              <a:t>아이콘</a:t>
+              <a:t>– </a:t>
+            </a:r>
+            <a:r>
+              <a:rPr lang="en-US" altLang="ko-KR" b="1" dirty="0" err="1" smtClean="0"/>
+              <a:t>Hamber_button</a:t>
             </a:r>
             <a:endParaRPr lang="en-US" altLang="ko-KR" b="1" dirty="0" smtClean="0"/>
           </a:p>
@@ -5023,18 +5022,236 @@
         </p:blipFill>
         <p:spPr>
           <a:xfrm>
-            <a:off x="1634326" y="2492896"/>
-            <a:ext cx="3960440" cy="2355191"/>
+            <a:off x="5447486" y="1988840"/>
+            <a:ext cx="3483662" cy="3607029"/>
           </a:xfrm>
           <a:prstGeom prst="rect">
             <a:avLst/>
           </a:prstGeom>
         </p:spPr>
       </p:pic>
+      <p:sp>
+        <p:nvSpPr>
+          <p:cNvPr id="11" name="모서리가 둥근 직사각형 10"/>
+          <p:cNvSpPr/>
+          <p:nvPr/>
+        </p:nvSpPr>
+        <p:spPr>
+          <a:xfrm>
+            <a:off x="6177136" y="5181823"/>
+            <a:ext cx="2262748" cy="828092"/>
+          </a:xfrm>
+          <a:prstGeom prst="roundRect">
+            <a:avLst/>
+          </a:prstGeom>
+          <a:ln/>
+        </p:spPr>
+        <p:style>
+          <a:lnRef idx="2">
+            <a:schemeClr val="accent2"/>
+          </a:lnRef>
+          <a:fillRef idx="1">
+            <a:schemeClr val="lt1"/>
+          </a:fillRef>
+          <a:effectRef idx="0">
+            <a:schemeClr val="accent2"/>
+          </a:effectRef>
+          <a:fontRef idx="minor">
+            <a:schemeClr val="dk1"/>
+          </a:fontRef>
+        </p:style>
+        <p:txBody>
+          <a:bodyPr rtlCol="0" anchor="ctr"/>
+          <a:lstStyle/>
+          <a:p>
+            <a:r>
+              <a:rPr lang="ko-KR" altLang="en-US" sz="1600" dirty="0" smtClean="0">
+                <a:solidFill>
+                  <a:srgbClr val="0070C0"/>
+                </a:solidFill>
+              </a:rPr>
+              <a:t>스마트 </a:t>
+            </a:r>
+            <a:r>
+              <a:rPr lang="ko-KR" altLang="en-US" sz="1600" dirty="0" err="1" smtClean="0">
+                <a:solidFill>
+                  <a:srgbClr val="0070C0"/>
+                </a:solidFill>
+              </a:rPr>
+              <a:t>셀렉션</a:t>
+            </a:r>
+            <a:r>
+              <a:rPr lang="ko-KR" altLang="en-US" sz="1600" dirty="0" smtClean="0">
+                <a:solidFill>
+                  <a:srgbClr val="0070C0"/>
+                </a:solidFill>
+              </a:rPr>
+              <a:t> </a:t>
+            </a:r>
+            <a:r>
+              <a:rPr lang="en-US" altLang="ko-KR" sz="1600" dirty="0" smtClean="0">
+                <a:solidFill>
+                  <a:srgbClr val="0070C0"/>
+                </a:solidFill>
+              </a:rPr>
+              <a:t>– </a:t>
+            </a:r>
+            <a:r>
+              <a:rPr lang="ko-KR" altLang="en-US" sz="1600" dirty="0" smtClean="0">
+                <a:solidFill>
+                  <a:srgbClr val="0070C0"/>
+                </a:solidFill>
+              </a:rPr>
+              <a:t>마우스를 </a:t>
+            </a:r>
+            <a:r>
+              <a:rPr lang="ko-KR" altLang="en-US" sz="1600" dirty="0" err="1" smtClean="0">
+                <a:solidFill>
+                  <a:srgbClr val="0070C0"/>
+                </a:solidFill>
+              </a:rPr>
+              <a:t>개체위로</a:t>
+            </a:r>
+            <a:r>
+              <a:rPr lang="ko-KR" altLang="en-US" sz="1600" dirty="0" smtClean="0">
+                <a:solidFill>
+                  <a:srgbClr val="0070C0"/>
+                </a:solidFill>
+              </a:rPr>
+              <a:t> 올림</a:t>
+            </a:r>
+            <a:endParaRPr lang="en-US" altLang="ko-KR" sz="1600" dirty="0" smtClean="0"/>
+          </a:p>
+        </p:txBody>
+      </p:sp>
+      <p:pic>
+        <p:nvPicPr>
+          <p:cNvPr id="12" name="그림 11"/>
+          <p:cNvPicPr>
+            <a:picLocks noChangeAspect="1"/>
+          </p:cNvPicPr>
+          <p:nvPr/>
+        </p:nvPicPr>
+        <p:blipFill>
+          <a:blip r:embed="rId3">
+            <a:extLst>
+              <a:ext uri="{28A0092B-C50C-407E-A947-70E740481C1C}">
+                <a14:useLocalDpi xmlns:a14="http://schemas.microsoft.com/office/drawing/2010/main" val="0"/>
+              </a:ext>
+            </a:extLst>
+          </a:blip>
+          <a:stretch>
+            <a:fillRect/>
+          </a:stretch>
+        </p:blipFill>
+        <p:spPr>
+          <a:xfrm>
+            <a:off x="1352600" y="2028160"/>
+            <a:ext cx="3555876" cy="3567709"/>
+          </a:xfrm>
+          <a:prstGeom prst="rect">
+            <a:avLst/>
+          </a:prstGeom>
+        </p:spPr>
+      </p:pic>
+      <p:sp>
+        <p:nvSpPr>
+          <p:cNvPr id="14" name="모서리가 둥근 직사각형 13"/>
+          <p:cNvSpPr/>
+          <p:nvPr/>
+        </p:nvSpPr>
+        <p:spPr>
+          <a:xfrm>
+            <a:off x="3138674" y="2997065"/>
+            <a:ext cx="1539652" cy="386326"/>
+          </a:xfrm>
+          <a:prstGeom prst="roundRect">
+            <a:avLst/>
+          </a:prstGeom>
+          <a:ln/>
+        </p:spPr>
+        <p:style>
+          <a:lnRef idx="2">
+            <a:schemeClr val="accent2"/>
+          </a:lnRef>
+          <a:fillRef idx="1">
+            <a:schemeClr val="lt1"/>
+          </a:fillRef>
+          <a:effectRef idx="0">
+            <a:schemeClr val="accent2"/>
+          </a:effectRef>
+          <a:fontRef idx="minor">
+            <a:schemeClr val="dk1"/>
+          </a:fontRef>
+        </p:style>
+        <p:txBody>
+          <a:bodyPr rtlCol="0" anchor="ctr"/>
+          <a:lstStyle/>
+          <a:p>
+            <a:pPr algn="ctr"/>
+            <a:r>
+              <a:rPr lang="en-US" altLang="ko-KR" sz="1600" dirty="0" smtClean="0"/>
+              <a:t>Alt + </a:t>
+            </a:r>
+            <a:r>
+              <a:rPr lang="ko-KR" altLang="en-US" sz="1600" dirty="0" smtClean="0"/>
+              <a:t>드래그</a:t>
+            </a:r>
+            <a:endParaRPr lang="en-US" altLang="ko-KR" sz="1600" dirty="0" smtClean="0"/>
+          </a:p>
+        </p:txBody>
+      </p:sp>
+      <p:sp>
+        <p:nvSpPr>
+          <p:cNvPr id="15" name="모서리가 둥근 직사각형 14"/>
+          <p:cNvSpPr/>
+          <p:nvPr/>
+        </p:nvSpPr>
+        <p:spPr>
+          <a:xfrm>
+            <a:off x="3109450" y="3721408"/>
+            <a:ext cx="1539652" cy="386326"/>
+          </a:xfrm>
+          <a:prstGeom prst="roundRect">
+            <a:avLst/>
+          </a:prstGeom>
+          <a:ln/>
+        </p:spPr>
+        <p:style>
+          <a:lnRef idx="2">
+            <a:schemeClr val="accent2"/>
+          </a:lnRef>
+          <a:fillRef idx="1">
+            <a:schemeClr val="lt1"/>
+          </a:fillRef>
+          <a:effectRef idx="0">
+            <a:schemeClr val="accent2"/>
+          </a:effectRef>
+          <a:fontRef idx="minor">
+            <a:schemeClr val="dk1"/>
+          </a:fontRef>
+        </p:style>
+        <p:txBody>
+          <a:bodyPr rtlCol="0" anchor="ctr"/>
+          <a:lstStyle/>
+          <a:p>
+            <a:pPr algn="ctr"/>
+            <a:r>
+              <a:rPr lang="en-US" altLang="ko-KR" sz="1600" dirty="0" smtClean="0"/>
+              <a:t>ctrl</a:t>
+            </a:r>
+            <a:r>
+              <a:rPr lang="en-US" altLang="ko-KR" sz="1600" dirty="0" smtClean="0"/>
+              <a:t> + D</a:t>
+            </a:r>
+            <a:endParaRPr lang="en-US" altLang="ko-KR" sz="1600" dirty="0" smtClean="0"/>
+          </a:p>
+        </p:txBody>
+      </p:sp>
     </p:spTree>
     <p:extLst>
       <p:ext uri="{BB962C8B-B14F-4D97-AF65-F5344CB8AC3E}">
-        <p14:creationId xmlns:p14="http://schemas.microsoft.com/office/powerpoint/2010/main" val="1082498941"/>
+        <p14:creationId xmlns:p14="http://schemas.microsoft.com/office/powerpoint/2010/main" val="1252642154"/>
       </p:ext>
     </p:extLst>
   </p:cSld>
@@ -5104,16 +5321,9 @@
             </a:r>
             <a:r>
               <a:rPr lang="en-US" altLang="ko-KR" sz="2800" dirty="0" smtClean="0"/>
-              <a:t>- </a:t>
-            </a:r>
-            <a:r>
-              <a:rPr lang="ko-KR" altLang="en-US" sz="2800" dirty="0" smtClean="0"/>
-              <a:t>그룹</a:t>
-            </a:r>
-            <a:r>
-              <a:rPr lang="ko-KR" altLang="en-US" sz="2800" dirty="0"/>
-              <a:t>화</a:t>
-            </a:r>
+              <a:t>- Shape</a:t>
+            </a:r>
+            <a:endParaRPr lang="ko-KR" altLang="en-US" sz="2800" dirty="0"/>
           </a:p>
         </p:txBody>
       </p:sp>
@@ -5148,8 +5358,8 @@
         </p:nvSpPr>
         <p:spPr>
           <a:xfrm>
-            <a:off x="704528" y="1336993"/>
-            <a:ext cx="8496944" cy="1338828"/>
+            <a:off x="913756" y="1373730"/>
+            <a:ext cx="8496944" cy="454292"/>
           </a:xfrm>
           <a:prstGeom prst="rect">
             <a:avLst/>
@@ -5161,69 +5371,20 @@
           </a:bodyPr>
           <a:lstStyle/>
           <a:p>
-            <a:pPr>
+            <a:pPr marL="285750" indent="-285750">
               <a:lnSpc>
                 <a:spcPct val="150000"/>
               </a:lnSpc>
+              <a:buFont typeface="Wingdings" panose="05000000000000000000" pitchFamily="2" charset="2"/>
+              <a:buChar char="l"/>
             </a:pPr>
             <a:r>
+              <a:rPr lang="ko-KR" altLang="en-US" b="1" dirty="0" smtClean="0"/>
+              <a:t>예제 그리기 </a:t>
+            </a:r>
+            <a:r>
               <a:rPr lang="en-US" altLang="ko-KR" b="1" dirty="0" smtClean="0"/>
-              <a:t>    - </a:t>
-            </a:r>
-            <a:r>
-              <a:rPr lang="ko-KR" altLang="en-US" b="1" dirty="0" smtClean="0"/>
-              <a:t>그룹화</a:t>
-            </a:r>
-            <a:endParaRPr lang="en-US" altLang="ko-KR" b="1" dirty="0" smtClean="0"/>
-          </a:p>
-          <a:p>
-            <a:pPr>
-              <a:lnSpc>
-                <a:spcPct val="150000"/>
-              </a:lnSpc>
-            </a:pPr>
-            <a:r>
-              <a:rPr lang="en-US" altLang="ko-KR" b="1" dirty="0"/>
-              <a:t> </a:t>
-            </a:r>
-            <a:r>
-              <a:rPr lang="en-US" altLang="ko-KR" b="1" dirty="0" smtClean="0"/>
-              <a:t>      - </a:t>
-            </a:r>
-            <a:r>
-              <a:rPr lang="en-US" altLang="ko-KR" b="1" dirty="0" err="1" smtClean="0"/>
-              <a:t>crtl</a:t>
-            </a:r>
-            <a:r>
-              <a:rPr lang="en-US" altLang="ko-KR" b="1" dirty="0" smtClean="0"/>
-              <a:t> + G</a:t>
-            </a:r>
-          </a:p>
-          <a:p>
-            <a:pPr>
-              <a:lnSpc>
-                <a:spcPct val="150000"/>
-              </a:lnSpc>
-            </a:pPr>
-            <a:r>
-              <a:rPr lang="en-US" altLang="ko-KR" b="1" dirty="0"/>
-              <a:t> </a:t>
-            </a:r>
-            <a:r>
-              <a:rPr lang="en-US" altLang="ko-KR" b="1" dirty="0" smtClean="0"/>
-              <a:t>      - </a:t>
-            </a:r>
-            <a:r>
-              <a:rPr lang="ko-KR" altLang="en-US" b="1" dirty="0" smtClean="0"/>
-              <a:t>정렬 </a:t>
-            </a:r>
-            <a:r>
-              <a:rPr lang="en-US" altLang="ko-KR" b="1" dirty="0" smtClean="0"/>
-              <a:t>: </a:t>
-            </a:r>
-            <a:r>
-              <a:rPr lang="ko-KR" altLang="en-US" b="1" dirty="0" smtClean="0"/>
-              <a:t>사각형과 텍스트 객체</a:t>
+              <a:t>– Battery Icon</a:t>
             </a:r>
             <a:endParaRPr lang="en-US" altLang="ko-KR" b="1" dirty="0" smtClean="0"/>
           </a:p>
@@ -5231,7 +5392,7 @@
       </p:sp>
       <p:pic>
         <p:nvPicPr>
-          <p:cNvPr id="3" name="그림 2"/>
+          <p:cNvPr id="5" name="그림 4"/>
           <p:cNvPicPr>
             <a:picLocks noChangeAspect="1"/>
           </p:cNvPicPr>
@@ -5251,24 +5412,99 @@
         </p:blipFill>
         <p:spPr>
           <a:xfrm>
-            <a:off x="6869248" y="3211106"/>
-            <a:ext cx="2613887" cy="518205"/>
+            <a:off x="1417812" y="2243171"/>
+            <a:ext cx="3744416" cy="3795016"/>
           </a:xfrm>
           <a:prstGeom prst="rect">
             <a:avLst/>
           </a:prstGeom>
-          <a:ln>
-            <a:solidFill>
-              <a:schemeClr val="bg1">
-                <a:lumMod val="85000"/>
-              </a:schemeClr>
-            </a:solidFill>
-          </a:ln>
         </p:spPr>
       </p:pic>
+      <p:sp>
+        <p:nvSpPr>
+          <p:cNvPr id="13" name="모서리가 둥근 직사각형 12"/>
+          <p:cNvSpPr/>
+          <p:nvPr/>
+        </p:nvSpPr>
+        <p:spPr>
+          <a:xfrm>
+            <a:off x="3290020" y="2123255"/>
+            <a:ext cx="2207425" cy="828092"/>
+          </a:xfrm>
+          <a:prstGeom prst="roundRect">
+            <a:avLst/>
+          </a:prstGeom>
+          <a:ln/>
+        </p:spPr>
+        <p:style>
+          <a:lnRef idx="2">
+            <a:schemeClr val="accent2"/>
+          </a:lnRef>
+          <a:fillRef idx="1">
+            <a:schemeClr val="lt1"/>
+          </a:fillRef>
+          <a:effectRef idx="0">
+            <a:schemeClr val="accent2"/>
+          </a:effectRef>
+          <a:fontRef idx="minor">
+            <a:schemeClr val="dk1"/>
+          </a:fontRef>
+        </p:style>
+        <p:txBody>
+          <a:bodyPr rtlCol="0" anchor="ctr"/>
+          <a:lstStyle/>
+          <a:p>
+            <a:r>
+              <a:rPr lang="en-US" altLang="ko-KR" sz="1600" dirty="0" smtClean="0">
+                <a:solidFill>
+                  <a:srgbClr val="0070C0"/>
+                </a:solidFill>
+              </a:rPr>
+              <a:t>Battery – 200 x 100</a:t>
+            </a:r>
+          </a:p>
+          <a:p>
+            <a:r>
+              <a:rPr lang="ko-KR" altLang="en-US" sz="1600" dirty="0" smtClean="0">
+                <a:solidFill>
+                  <a:srgbClr val="0070C0"/>
+                </a:solidFill>
+              </a:rPr>
+              <a:t>테두리 </a:t>
+            </a:r>
+            <a:r>
+              <a:rPr lang="en-US" altLang="ko-KR" sz="1600" dirty="0" smtClean="0">
+                <a:solidFill>
+                  <a:srgbClr val="0070C0"/>
+                </a:solidFill>
+              </a:rPr>
+              <a:t>– 10</a:t>
+            </a:r>
+            <a:endParaRPr lang="en-US" altLang="ko-KR" sz="1600" dirty="0"/>
+          </a:p>
+          <a:p>
+            <a:r>
+              <a:rPr lang="ko-KR" altLang="en-US" sz="1600" dirty="0" smtClean="0">
+                <a:solidFill>
+                  <a:srgbClr val="0070C0"/>
+                </a:solidFill>
+              </a:rPr>
+              <a:t>잔량 </a:t>
+            </a:r>
+            <a:r>
+              <a:rPr lang="en-US" altLang="ko-KR" sz="1600" dirty="0" smtClean="0">
+                <a:solidFill>
+                  <a:srgbClr val="0070C0"/>
+                </a:solidFill>
+              </a:rPr>
+              <a:t>– 15 x 70</a:t>
+            </a:r>
+          </a:p>
+        </p:txBody>
+      </p:sp>
       <p:pic>
         <p:nvPicPr>
-          <p:cNvPr id="5" name="그림 4"/>
+          <p:cNvPr id="6" name="그림 5"/>
           <p:cNvPicPr>
             <a:picLocks noChangeAspect="1"/>
           </p:cNvPicPr>
@@ -5288,84 +5524,79 @@
         </p:blipFill>
         <p:spPr>
           <a:xfrm>
-            <a:off x="4592960" y="2854161"/>
-            <a:ext cx="2118544" cy="1234547"/>
+            <a:off x="5745088" y="2612375"/>
+            <a:ext cx="3230647" cy="3268026"/>
           </a:xfrm>
           <a:prstGeom prst="rect">
             <a:avLst/>
           </a:prstGeom>
         </p:spPr>
       </p:pic>
-      <p:pic>
-        <p:nvPicPr>
-          <p:cNvPr id="10" name="그림 9"/>
-          <p:cNvPicPr>
-            <a:picLocks noChangeAspect="1"/>
-          </p:cNvPicPr>
+      <p:sp>
+        <p:nvSpPr>
+          <p:cNvPr id="16" name="모서리가 둥근 직사각형 15"/>
+          <p:cNvSpPr/>
           <p:nvPr/>
-        </p:nvPicPr>
-        <p:blipFill>
-          <a:blip r:embed="rId4">
-            <a:extLst>
-              <a:ext uri="{28A0092B-C50C-407E-A947-70E740481C1C}">
-                <a14:useLocalDpi xmlns:a14="http://schemas.microsoft.com/office/drawing/2010/main" val="0"/>
-              </a:ext>
-            </a:extLst>
-          </a:blip>
-          <a:stretch>
-            <a:fillRect/>
-          </a:stretch>
-        </p:blipFill>
-        <p:spPr>
-          <a:xfrm>
-            <a:off x="2072680" y="2852936"/>
-            <a:ext cx="2376264" cy="1311042"/>
-          </a:xfrm>
-          <a:prstGeom prst="rect">
+        </p:nvSpPr>
+        <p:spPr>
+          <a:xfrm>
+            <a:off x="3692125" y="4725144"/>
+            <a:ext cx="1761533" cy="461990"/>
+          </a:xfrm>
+          <a:prstGeom prst="roundRect">
             <a:avLst/>
           </a:prstGeom>
-          <a:ln>
-            <a:solidFill>
-              <a:schemeClr val="bg1">
-                <a:lumMod val="85000"/>
-              </a:schemeClr>
-            </a:solidFill>
-          </a:ln>
-        </p:spPr>
-      </p:pic>
-      <p:pic>
-        <p:nvPicPr>
-          <p:cNvPr id="11" name="그림 10"/>
-          <p:cNvPicPr>
-            <a:picLocks noChangeAspect="1"/>
-          </p:cNvPicPr>
-          <p:nvPr/>
-        </p:nvPicPr>
-        <p:blipFill rotWithShape="1">
-          <a:blip r:embed="rId5">
-            <a:extLst>
-              <a:ext uri="{28A0092B-C50C-407E-A947-70E740481C1C}">
-                <a14:useLocalDpi xmlns:a14="http://schemas.microsoft.com/office/drawing/2010/main" val="0"/>
-              </a:ext>
-            </a:extLst>
-          </a:blip>
-          <a:srcRect l="4145" r="6022"/>
-          <a:stretch/>
-        </p:blipFill>
-        <p:spPr>
-          <a:xfrm>
-            <a:off x="2145323" y="4480651"/>
-            <a:ext cx="2716824" cy="1950272"/>
-          </a:xfrm>
-          <a:prstGeom prst="rect">
-            <a:avLst/>
-          </a:prstGeom>
-        </p:spPr>
-      </p:pic>
+          <a:ln/>
+        </p:spPr>
+        <p:style>
+          <a:lnRef idx="2">
+            <a:schemeClr val="accent2"/>
+          </a:lnRef>
+          <a:fillRef idx="1">
+            <a:schemeClr val="lt1"/>
+          </a:fillRef>
+          <a:effectRef idx="0">
+            <a:schemeClr val="accent2"/>
+          </a:effectRef>
+          <a:fontRef idx="minor">
+            <a:schemeClr val="dk1"/>
+          </a:fontRef>
+        </p:style>
+        <p:txBody>
+          <a:bodyPr rtlCol="0" anchor="ctr"/>
+          <a:lstStyle/>
+          <a:p>
+            <a:r>
+              <a:rPr lang="en-US" altLang="ko-KR" sz="1600" dirty="0" smtClean="0">
+                <a:solidFill>
+                  <a:srgbClr val="0070C0"/>
+                </a:solidFill>
+              </a:rPr>
+              <a:t>Ctrl + G(</a:t>
+            </a:r>
+            <a:r>
+              <a:rPr lang="ko-KR" altLang="en-US" sz="1600" dirty="0" smtClean="0">
+                <a:solidFill>
+                  <a:srgbClr val="0070C0"/>
+                </a:solidFill>
+              </a:rPr>
+              <a:t>그룹화</a:t>
+            </a:r>
+            <a:r>
+              <a:rPr lang="en-US" altLang="ko-KR" sz="1600" dirty="0" smtClean="0">
+                <a:solidFill>
+                  <a:srgbClr val="0070C0"/>
+                </a:solidFill>
+              </a:rPr>
+              <a:t>)</a:t>
+            </a:r>
+          </a:p>
+        </p:txBody>
+      </p:sp>
     </p:spTree>
     <p:extLst>
       <p:ext uri="{BB962C8B-B14F-4D97-AF65-F5344CB8AC3E}">
-        <p14:creationId xmlns:p14="http://schemas.microsoft.com/office/powerpoint/2010/main" val="891506574"/>
+        <p14:creationId xmlns:p14="http://schemas.microsoft.com/office/powerpoint/2010/main" val="2036723234"/>
       </p:ext>
     </p:extLst>
   </p:cSld>
@@ -5435,23 +5666,7 @@
             </a:r>
             <a:r>
               <a:rPr lang="en-US" altLang="ko-KR" sz="2800" dirty="0" smtClean="0"/>
-              <a:t>- </a:t>
-            </a:r>
-            <a:r>
-              <a:rPr lang="en-US" altLang="ko-KR" sz="2800" b="1" dirty="0"/>
-              <a:t>EFFECT(</a:t>
-            </a:r>
-            <a:r>
-              <a:rPr lang="ko-KR" altLang="en-US" sz="2800" b="1" dirty="0" err="1"/>
-              <a:t>이펙트</a:t>
-            </a:r>
-            <a:r>
-              <a:rPr lang="en-US" altLang="ko-KR" sz="2800" b="1" dirty="0"/>
-              <a:t>)</a:t>
-            </a:r>
-            <a:r>
-              <a:rPr lang="en-US" altLang="ko-KR" sz="2800" dirty="0" smtClean="0"/>
-              <a:t> </a:t>
+              <a:t>- Shape</a:t>
             </a:r>
             <a:endParaRPr lang="ko-KR" altLang="en-US" sz="2800" dirty="0"/>
           </a:p>
@@ -5488,8 +5703,8 @@
         </p:nvSpPr>
         <p:spPr>
           <a:xfrm>
-            <a:off x="704528" y="1336993"/>
-            <a:ext cx="8496944" cy="454292"/>
+            <a:off x="1136576" y="1268760"/>
+            <a:ext cx="4608512" cy="1338828"/>
           </a:xfrm>
           <a:prstGeom prst="rect">
             <a:avLst/>
@@ -5500,6 +5715,28 @@
             <a:spAutoFit/>
           </a:bodyPr>
           <a:lstStyle/>
+          <a:p>
+            <a:pPr marL="285750" indent="-285750">
+              <a:lnSpc>
+                <a:spcPct val="150000"/>
+              </a:lnSpc>
+              <a:buFont typeface="Wingdings" panose="05000000000000000000" pitchFamily="2" charset="2"/>
+              <a:buChar char="§"/>
+            </a:pPr>
+            <a:r>
+              <a:rPr lang="en-US" altLang="ko-KR" b="1" dirty="0" smtClean="0"/>
+              <a:t>Text </a:t>
+            </a:r>
+            <a:r>
+              <a:rPr lang="ko-KR" altLang="en-US" b="1" dirty="0" smtClean="0"/>
+              <a:t>툴 </a:t>
+            </a:r>
+            <a:r>
+              <a:rPr lang="ko-KR" altLang="en-US" b="1" dirty="0" smtClean="0"/>
+              <a:t>사용</a:t>
+            </a:r>
+            <a:endParaRPr lang="en-US" altLang="ko-KR" b="1" dirty="0" smtClean="0"/>
+          </a:p>
           <a:p>
             <a:pPr>
               <a:lnSpc>
@@ -5507,20 +5744,72 @@
               </a:lnSpc>
             </a:pPr>
             <a:r>
+              <a:rPr lang="en-US" altLang="ko-KR" b="1" dirty="0"/>
+              <a:t> </a:t>
+            </a:r>
+            <a:r>
               <a:rPr lang="en-US" altLang="ko-KR" b="1" dirty="0" smtClean="0"/>
-              <a:t>    - EFFECT(</a:t>
+              <a:t>   </a:t>
+            </a:r>
+            <a:r>
+              <a:rPr lang="ko-KR" altLang="en-US" b="1" dirty="0" smtClean="0"/>
+              <a:t>텍스트 </a:t>
+            </a:r>
+            <a:r>
+              <a:rPr lang="en-US" altLang="ko-KR" b="1" dirty="0" smtClean="0"/>
+              <a:t>– </a:t>
             </a:r>
             <a:r>
               <a:rPr lang="ko-KR" altLang="en-US" b="1" dirty="0" err="1" smtClean="0"/>
-              <a:t>이펙트</a:t>
+              <a:t>한줄</a:t>
+            </a:r>
+            <a:r>
+              <a:rPr lang="ko-KR" altLang="en-US" b="1" dirty="0" smtClean="0"/>
+              <a:t> 쓰기</a:t>
             </a:r>
             <a:r>
               <a:rPr lang="en-US" altLang="ko-KR" b="1" dirty="0" smtClean="0"/>
-              <a:t>) </a:t>
+              <a:t>, </a:t>
+            </a:r>
+            <a:r>
+              <a:rPr lang="ko-KR" altLang="en-US" b="1" dirty="0" err="1" smtClean="0"/>
+              <a:t>여러줄</a:t>
             </a:r>
             <a:r>
               <a:rPr lang="ko-KR" altLang="en-US" b="1" dirty="0" smtClean="0"/>
-              <a:t>효과</a:t>
+              <a:t> 쓰기</a:t>
+            </a:r>
+            <a:endParaRPr lang="en-US" altLang="ko-KR" b="1" dirty="0" smtClean="0"/>
+          </a:p>
+          <a:p>
+            <a:pPr>
+              <a:lnSpc>
+                <a:spcPct val="150000"/>
+              </a:lnSpc>
+            </a:pPr>
+            <a:r>
+              <a:rPr lang="en-US" altLang="ko-KR" b="1" dirty="0"/>
+              <a:t> </a:t>
+            </a:r>
+            <a:r>
+              <a:rPr lang="en-US" altLang="ko-KR" b="1" dirty="0" smtClean="0"/>
+              <a:t>   </a:t>
+            </a:r>
+            <a:r>
+              <a:rPr lang="ko-KR" altLang="en-US" b="1" dirty="0" smtClean="0"/>
+              <a:t>문단 </a:t>
+            </a:r>
+            <a:r>
+              <a:rPr lang="en-US" altLang="ko-KR" b="1" dirty="0" smtClean="0"/>
+              <a:t>– </a:t>
+            </a:r>
+            <a:r>
+              <a:rPr lang="ko-KR" altLang="en-US" b="1" dirty="0" smtClean="0"/>
+              <a:t>정렬 및 줄 간격</a:t>
+            </a:r>
+            <a:r>
+              <a:rPr lang="en-US" altLang="ko-KR" b="1" dirty="0" smtClean="0"/>
+              <a:t>(line-height)</a:t>
             </a:r>
             <a:endParaRPr lang="en-US" altLang="ko-KR" b="1" dirty="0" smtClean="0"/>
           </a:p>
@@ -5528,7 +5817,7 @@
       </p:sp>
       <p:pic>
         <p:nvPicPr>
-          <p:cNvPr id="6" name="그림 5"/>
+          <p:cNvPr id="3" name="그림 2"/>
           <p:cNvPicPr>
             <a:picLocks noChangeAspect="1"/>
           </p:cNvPicPr>
@@ -5548,38 +5837,8 @@
         </p:blipFill>
         <p:spPr>
           <a:xfrm>
-            <a:off x="1208584" y="1988840"/>
-            <a:ext cx="2232854" cy="1348857"/>
-          </a:xfrm>
-          <a:prstGeom prst="rect">
-            <a:avLst/>
-          </a:prstGeom>
-        </p:spPr>
-      </p:pic>
-      <p:pic>
-        <p:nvPicPr>
-          <p:cNvPr id="8" name="그림 7"/>
-          <p:cNvPicPr>
-            <a:picLocks noChangeAspect="1"/>
-          </p:cNvPicPr>
-          <p:nvPr/>
-        </p:nvPicPr>
-        <p:blipFill>
-          <a:blip r:embed="rId3">
-            <a:extLst>
-              <a:ext uri="{28A0092B-C50C-407E-A947-70E740481C1C}">
-                <a14:useLocalDpi xmlns:a14="http://schemas.microsoft.com/office/drawing/2010/main" val="0"/>
-              </a:ext>
-            </a:extLst>
-          </a:blip>
-          <a:stretch>
-            <a:fillRect/>
-          </a:stretch>
-        </p:blipFill>
-        <p:spPr>
-          <a:xfrm>
-            <a:off x="3656856" y="2305097"/>
-            <a:ext cx="2179509" cy="716342"/>
+            <a:off x="1496616" y="2829778"/>
+            <a:ext cx="6627338" cy="3466796"/>
           </a:xfrm>
           <a:prstGeom prst="rect">
             <a:avLst/>
@@ -5593,131 +5852,114 @@
           </a:ln>
         </p:spPr>
       </p:pic>
-      <p:pic>
-        <p:nvPicPr>
-          <p:cNvPr id="3" name="그림 2"/>
-          <p:cNvPicPr>
-            <a:picLocks noChangeAspect="1"/>
-          </p:cNvPicPr>
+      <p:sp>
+        <p:nvSpPr>
+          <p:cNvPr id="10" name="모서리가 둥근 직사각형 9"/>
+          <p:cNvSpPr/>
           <p:nvPr/>
-        </p:nvPicPr>
-        <p:blipFill>
-          <a:blip r:embed="rId4">
-            <a:extLst>
-              <a:ext uri="{28A0092B-C50C-407E-A947-70E740481C1C}">
-                <a14:useLocalDpi xmlns:a14="http://schemas.microsoft.com/office/drawing/2010/main" val="0"/>
-              </a:ext>
-            </a:extLst>
-          </a:blip>
-          <a:stretch>
-            <a:fillRect/>
-          </a:stretch>
-        </p:blipFill>
-        <p:spPr>
-          <a:xfrm>
-            <a:off x="4448944" y="3337697"/>
-            <a:ext cx="2209992" cy="1539373"/>
-          </a:xfrm>
-          <a:prstGeom prst="rect">
+        </p:nvSpPr>
+        <p:spPr>
+          <a:xfrm>
+            <a:off x="7242950" y="4540740"/>
+            <a:ext cx="2534586" cy="720080"/>
+          </a:xfrm>
+          <a:prstGeom prst="roundRect">
             <a:avLst/>
           </a:prstGeom>
-          <a:ln>
-            <a:solidFill>
-              <a:schemeClr val="bg1">
-                <a:lumMod val="85000"/>
-              </a:schemeClr>
-            </a:solidFill>
-          </a:ln>
-        </p:spPr>
-      </p:pic>
-      <p:cxnSp>
-        <p:nvCxnSpPr>
-          <p:cNvPr id="9" name="직선 화살표 연결선 8"/>
-          <p:cNvCxnSpPr/>
-          <p:nvPr/>
-        </p:nvCxnSpPr>
-        <p:spPr>
-          <a:xfrm>
-            <a:off x="3944888" y="2924944"/>
-            <a:ext cx="504056" cy="576064"/>
-          </a:xfrm>
-          <a:prstGeom prst="straightConnector1">
-            <a:avLst/>
-          </a:prstGeom>
-          <a:ln w="19050">
-            <a:solidFill>
-              <a:srgbClr val="C00000"/>
-            </a:solidFill>
-            <a:tailEnd type="arrow"/>
-          </a:ln>
+          <a:ln/>
         </p:spPr>
         <p:style>
-          <a:lnRef idx="1">
-            <a:schemeClr val="accent1"/>
+          <a:lnRef idx="2">
+            <a:schemeClr val="accent2"/>
           </a:lnRef>
-          <a:fillRef idx="0">
-            <a:schemeClr val="accent1"/>
+          <a:fillRef idx="1">
+            <a:schemeClr val="lt1"/>
           </a:fillRef>
           <a:effectRef idx="0">
-            <a:schemeClr val="accent1"/>
+            <a:schemeClr val="accent2"/>
           </a:effectRef>
           <a:fontRef idx="minor">
-            <a:schemeClr val="tx1"/>
+            <a:schemeClr val="dk1"/>
           </a:fontRef>
         </p:style>
-      </p:cxnSp>
-      <p:sp>
-        <p:nvSpPr>
-          <p:cNvPr id="13" name="TextBox 12"/>
-          <p:cNvSpPr txBox="1"/>
-          <p:nvPr/>
-        </p:nvSpPr>
-        <p:spPr>
-          <a:xfrm>
-            <a:off x="4448944" y="5151185"/>
-            <a:ext cx="3816424" cy="646331"/>
-          </a:xfrm>
-          <a:prstGeom prst="rect">
-            <a:avLst/>
-          </a:prstGeom>
-          <a:noFill/>
-        </p:spPr>
-        <p:txBody>
-          <a:bodyPr wrap="square" rtlCol="0">
-            <a:spAutoFit/>
-          </a:bodyPr>
-          <a:lstStyle/>
-          <a:p>
-            <a:r>
-              <a:rPr lang="en-US" altLang="ko-KR" dirty="0"/>
-              <a:t>x</a:t>
-            </a:r>
-            <a:r>
-              <a:rPr lang="en-US" altLang="ko-KR" dirty="0" smtClean="0"/>
-              <a:t> – 1px, y – 2px , blur-1px, #000</a:t>
-            </a:r>
-          </a:p>
-          <a:p>
-            <a:r>
-              <a:rPr lang="en-US" altLang="ko-KR" dirty="0" smtClean="0"/>
-              <a:t>blur(</a:t>
-            </a:r>
-            <a:r>
-              <a:rPr lang="ko-KR" altLang="en-US" dirty="0" err="1" smtClean="0"/>
-              <a:t>번짐정도</a:t>
-            </a:r>
-            <a:r>
-              <a:rPr lang="en-US" altLang="ko-KR" dirty="0" smtClean="0"/>
-              <a:t>)</a:t>
-            </a:r>
-            <a:endParaRPr lang="ko-KR" altLang="en-US" dirty="0"/>
+        <p:txBody>
+          <a:bodyPr rtlCol="0" anchor="ctr"/>
+          <a:lstStyle/>
+          <a:p>
+            <a:r>
+              <a:rPr lang="ko-KR" altLang="en-US" sz="1600" dirty="0" smtClean="0">
+                <a:solidFill>
+                  <a:srgbClr val="0070C0"/>
+                </a:solidFill>
+              </a:rPr>
+              <a:t>버튼</a:t>
+            </a:r>
+            <a:r>
+              <a:rPr lang="en-US" altLang="ko-KR" sz="1600" dirty="0" smtClean="0">
+                <a:solidFill>
+                  <a:srgbClr val="0070C0"/>
+                </a:solidFill>
+              </a:rPr>
+              <a:t>(height):</a:t>
+            </a:r>
+            <a:r>
+              <a:rPr lang="ko-KR" altLang="en-US" sz="1600" dirty="0" smtClean="0">
+                <a:solidFill>
+                  <a:srgbClr val="0070C0"/>
+                </a:solidFill>
+              </a:rPr>
+              <a:t> </a:t>
+            </a:r>
+            <a:r>
+              <a:rPr lang="en-US" altLang="ko-KR" sz="1600" dirty="0" smtClean="0">
+                <a:solidFill>
+                  <a:srgbClr val="0070C0"/>
+                </a:solidFill>
+              </a:rPr>
+              <a:t>40</a:t>
+            </a:r>
+          </a:p>
+          <a:p>
+            <a:r>
+              <a:rPr lang="en-US" altLang="ko-KR" sz="1600" dirty="0" smtClean="0">
+                <a:solidFill>
+                  <a:srgbClr val="0070C0"/>
+                </a:solidFill>
+              </a:rPr>
+              <a:t>Sign Up(</a:t>
+            </a:r>
+            <a:r>
+              <a:rPr lang="en-US" altLang="ko-KR" sz="1600" dirty="0" err="1" smtClean="0">
+                <a:solidFill>
+                  <a:srgbClr val="0070C0"/>
+                </a:solidFill>
+              </a:rPr>
+              <a:t>L</a:t>
+            </a:r>
+            <a:r>
+              <a:rPr lang="en-US" altLang="ko-KR" sz="1600" dirty="0" err="1" smtClean="0">
+                <a:solidFill>
+                  <a:srgbClr val="0070C0"/>
+                </a:solidFill>
+              </a:rPr>
+              <a:t>ineheight</a:t>
+            </a:r>
+            <a:r>
+              <a:rPr lang="en-US" altLang="ko-KR" sz="1600" dirty="0" smtClean="0">
+                <a:solidFill>
+                  <a:srgbClr val="0070C0"/>
+                </a:solidFill>
+              </a:rPr>
+              <a:t>): 40</a:t>
+            </a:r>
+            <a:endParaRPr lang="en-US" altLang="ko-KR" sz="1600" dirty="0" smtClean="0"/>
           </a:p>
         </p:txBody>
       </p:sp>
     </p:spTree>
     <p:extLst>
       <p:ext uri="{BB962C8B-B14F-4D97-AF65-F5344CB8AC3E}">
-        <p14:creationId xmlns:p14="http://schemas.microsoft.com/office/powerpoint/2010/main" val="479852610"/>
+        <p14:creationId xmlns:p14="http://schemas.microsoft.com/office/powerpoint/2010/main" val="1843281596"/>
       </p:ext>
     </p:extLst>
   </p:cSld>
@@ -5787,6 +6029,976 @@
             </a:r>
             <a:r>
               <a:rPr lang="en-US" altLang="ko-KR" sz="2800" dirty="0" smtClean="0"/>
+              <a:t>- comment</a:t>
+            </a:r>
+            <a:endParaRPr lang="ko-KR" altLang="en-US" sz="2800" dirty="0"/>
+          </a:p>
+        </p:txBody>
+      </p:sp>
+      <p:sp>
+        <p:nvSpPr>
+          <p:cNvPr id="4" name="슬라이드 번호 개체 틀 3"/>
+          <p:cNvSpPr>
+            <a:spLocks noGrp="1"/>
+          </p:cNvSpPr>
+          <p:nvPr>
+            <p:ph type="sldNum" sz="quarter" idx="12"/>
+          </p:nvPr>
+        </p:nvSpPr>
+        <p:spPr/>
+        <p:txBody>
+          <a:bodyPr/>
+          <a:lstStyle/>
+          <a:p>
+            <a:fld id="{1BDE3FE7-3AEA-4B05-AC5A-802D1816ACF0}" type="slidenum">
+              <a:rPr lang="ko-KR" altLang="en-US" smtClean="0"/>
+              <a:t>15</a:t>
+            </a:fld>
+            <a:endParaRPr lang="ko-KR" altLang="en-US"/>
+          </a:p>
+        </p:txBody>
+      </p:sp>
+      <p:sp>
+        <p:nvSpPr>
+          <p:cNvPr id="7" name="직사각형 6"/>
+          <p:cNvSpPr/>
+          <p:nvPr/>
+        </p:nvSpPr>
+        <p:spPr>
+          <a:xfrm>
+            <a:off x="704528" y="1268760"/>
+            <a:ext cx="8496944" cy="923330"/>
+          </a:xfrm>
+          <a:prstGeom prst="rect">
+            <a:avLst/>
+          </a:prstGeom>
+        </p:spPr>
+        <p:txBody>
+          <a:bodyPr wrap="square">
+            <a:spAutoFit/>
+          </a:bodyPr>
+          <a:lstStyle/>
+          <a:p>
+            <a:pPr>
+              <a:lnSpc>
+                <a:spcPct val="150000"/>
+              </a:lnSpc>
+            </a:pPr>
+            <a:r>
+              <a:rPr lang="en-US" altLang="ko-KR" b="1" dirty="0" smtClean="0"/>
+              <a:t>    - comment </a:t>
+            </a:r>
+            <a:r>
+              <a:rPr lang="ko-KR" altLang="en-US" b="1" dirty="0" smtClean="0"/>
+              <a:t>툴 사용</a:t>
+            </a:r>
+            <a:endParaRPr lang="en-US" altLang="ko-KR" b="1" dirty="0" smtClean="0"/>
+          </a:p>
+          <a:p>
+            <a:pPr>
+              <a:lnSpc>
+                <a:spcPct val="150000"/>
+              </a:lnSpc>
+            </a:pPr>
+            <a:r>
+              <a:rPr lang="en-US" altLang="ko-KR" b="1" dirty="0"/>
+              <a:t> </a:t>
+            </a:r>
+            <a:r>
+              <a:rPr lang="en-US" altLang="ko-KR" b="1" dirty="0" smtClean="0"/>
+              <a:t>      </a:t>
+            </a:r>
+            <a:r>
+              <a:rPr lang="ko-KR" altLang="en-US" b="1" dirty="0" smtClean="0"/>
+              <a:t>상단 메뉴 </a:t>
+            </a:r>
+            <a:r>
+              <a:rPr lang="en-US" altLang="ko-KR" b="1" dirty="0" smtClean="0"/>
+              <a:t>comment(</a:t>
+            </a:r>
+            <a:r>
+              <a:rPr lang="ko-KR" altLang="en-US" b="1" dirty="0" smtClean="0"/>
+              <a:t>코멘트</a:t>
+            </a:r>
+            <a:r>
+              <a:rPr lang="en-US" altLang="ko-KR" b="1" dirty="0" smtClean="0"/>
+              <a:t>) </a:t>
+            </a:r>
+            <a:r>
+              <a:rPr lang="ko-KR" altLang="en-US" b="1" dirty="0" smtClean="0"/>
+              <a:t>아이콘</a:t>
+            </a:r>
+            <a:endParaRPr lang="en-US" altLang="ko-KR" b="1" dirty="0" smtClean="0"/>
+          </a:p>
+        </p:txBody>
+      </p:sp>
+      <p:pic>
+        <p:nvPicPr>
+          <p:cNvPr id="6" name="그림 5"/>
+          <p:cNvPicPr>
+            <a:picLocks noChangeAspect="1"/>
+          </p:cNvPicPr>
+          <p:nvPr/>
+        </p:nvPicPr>
+        <p:blipFill>
+          <a:blip r:embed="rId2">
+            <a:extLst>
+              <a:ext uri="{28A0092B-C50C-407E-A947-70E740481C1C}">
+                <a14:useLocalDpi xmlns:a14="http://schemas.microsoft.com/office/drawing/2010/main" val="0"/>
+              </a:ext>
+            </a:extLst>
+          </a:blip>
+          <a:stretch>
+            <a:fillRect/>
+          </a:stretch>
+        </p:blipFill>
+        <p:spPr>
+          <a:xfrm>
+            <a:off x="5156001" y="3990633"/>
+            <a:ext cx="2605311" cy="1850439"/>
+          </a:xfrm>
+          <a:prstGeom prst="rect">
+            <a:avLst/>
+          </a:prstGeom>
+          <a:ln>
+            <a:solidFill>
+              <a:schemeClr val="bg1">
+                <a:lumMod val="85000"/>
+              </a:schemeClr>
+            </a:solidFill>
+          </a:ln>
+        </p:spPr>
+      </p:pic>
+      <p:pic>
+        <p:nvPicPr>
+          <p:cNvPr id="8" name="그림 7"/>
+          <p:cNvPicPr>
+            <a:picLocks noChangeAspect="1"/>
+          </p:cNvPicPr>
+          <p:nvPr/>
+        </p:nvPicPr>
+        <p:blipFill>
+          <a:blip r:embed="rId3">
+            <a:extLst>
+              <a:ext uri="{28A0092B-C50C-407E-A947-70E740481C1C}">
+                <a14:useLocalDpi xmlns:a14="http://schemas.microsoft.com/office/drawing/2010/main" val="0"/>
+              </a:ext>
+            </a:extLst>
+          </a:blip>
+          <a:stretch>
+            <a:fillRect/>
+          </a:stretch>
+        </p:blipFill>
+        <p:spPr>
+          <a:xfrm>
+            <a:off x="1424608" y="2348880"/>
+            <a:ext cx="3375953" cy="3215919"/>
+          </a:xfrm>
+          <a:prstGeom prst="rect">
+            <a:avLst/>
+          </a:prstGeom>
+          <a:ln>
+            <a:solidFill>
+              <a:schemeClr val="bg1">
+                <a:lumMod val="85000"/>
+              </a:schemeClr>
+            </a:solidFill>
+          </a:ln>
+        </p:spPr>
+      </p:pic>
+      <p:pic>
+        <p:nvPicPr>
+          <p:cNvPr id="9" name="그림 8"/>
+          <p:cNvPicPr>
+            <a:picLocks noChangeAspect="1"/>
+          </p:cNvPicPr>
+          <p:nvPr/>
+        </p:nvPicPr>
+        <p:blipFill>
+          <a:blip r:embed="rId4">
+            <a:extLst>
+              <a:ext uri="{28A0092B-C50C-407E-A947-70E740481C1C}">
+                <a14:useLocalDpi xmlns:a14="http://schemas.microsoft.com/office/drawing/2010/main" val="0"/>
+              </a:ext>
+            </a:extLst>
+          </a:blip>
+          <a:stretch>
+            <a:fillRect/>
+          </a:stretch>
+        </p:blipFill>
+        <p:spPr>
+          <a:xfrm>
+            <a:off x="5156001" y="2348881"/>
+            <a:ext cx="3581615" cy="1440160"/>
+          </a:xfrm>
+          <a:prstGeom prst="rect">
+            <a:avLst/>
+          </a:prstGeom>
+          <a:ln>
+            <a:solidFill>
+              <a:schemeClr val="bg1">
+                <a:lumMod val="85000"/>
+              </a:schemeClr>
+            </a:solidFill>
+          </a:ln>
+        </p:spPr>
+      </p:pic>
+    </p:spTree>
+    <p:extLst>
+      <p:ext uri="{BB962C8B-B14F-4D97-AF65-F5344CB8AC3E}">
+        <p14:creationId xmlns:p14="http://schemas.microsoft.com/office/powerpoint/2010/main" val="1082498941"/>
+      </p:ext>
+    </p:extLst>
+  </p:cSld>
+  <p:clrMapOvr>
+    <a:masterClrMapping/>
+  </p:clrMapOvr>
+  <p:timing>
+    <p:tnLst>
+      <p:par>
+        <p:cTn id="1" dur="indefinite" restart="never" nodeType="tmRoot"/>
+      </p:par>
+    </p:tnLst>
+  </p:timing>
+</p:sld>
+</file>
+
+<file path=ppt/slides/slide16.xml><?xml version="1.0" encoding="utf-8"?>
+<p:sld xmlns:a="http://schemas.openxmlformats.org/drawingml/2006/main" xmlns:r="http://schemas.openxmlformats.org/officeDocument/2006/relationships" xmlns:p="http://schemas.openxmlformats.org/presentationml/2006/main">
+  <p:cSld>
+    <p:spTree>
+      <p:nvGrpSpPr>
+        <p:cNvPr id="1" name=""/>
+        <p:cNvGrpSpPr/>
+        <p:nvPr/>
+      </p:nvGrpSpPr>
+      <p:grpSpPr>
+        <a:xfrm>
+          <a:off x="0" y="0"/>
+          <a:ext cx="0" cy="0"/>
+          <a:chOff x="0" y="0"/>
+          <a:chExt cx="0" cy="0"/>
+        </a:xfrm>
+      </p:grpSpPr>
+      <p:sp>
+        <p:nvSpPr>
+          <p:cNvPr id="2" name="제목 1"/>
+          <p:cNvSpPr>
+            <a:spLocks noGrp="1"/>
+          </p:cNvSpPr>
+          <p:nvPr>
+            <p:ph type="title"/>
+          </p:nvPr>
+        </p:nvSpPr>
+        <p:spPr>
+          <a:xfrm>
+            <a:off x="416497" y="197768"/>
+            <a:ext cx="6412780" cy="854968"/>
+          </a:xfrm>
+        </p:spPr>
+        <p:txBody>
+          <a:bodyPr>
+            <a:noAutofit/>
+          </a:bodyPr>
+          <a:lstStyle/>
+          <a:p>
+            <a:r>
+              <a:rPr lang="en-US" altLang="ko-KR" sz="2800" dirty="0" smtClean="0"/>
+              <a:t>   </a:t>
+            </a:r>
+            <a:r>
+              <a:rPr lang="en-US" altLang="ko-KR" sz="2800" dirty="0" err="1" smtClean="0"/>
+              <a:t>Figma</a:t>
+            </a:r>
+            <a:r>
+              <a:rPr lang="ko-KR" altLang="en-US" sz="2800" dirty="0"/>
+              <a:t> </a:t>
+            </a:r>
+            <a:r>
+              <a:rPr lang="en-US" altLang="ko-KR" sz="2800" dirty="0" smtClean="0"/>
+              <a:t>- </a:t>
+            </a:r>
+            <a:r>
+              <a:rPr lang="ko-KR" altLang="en-US" sz="2800" dirty="0" smtClean="0"/>
+              <a:t>그룹</a:t>
+            </a:r>
+            <a:r>
+              <a:rPr lang="ko-KR" altLang="en-US" sz="2800" dirty="0"/>
+              <a:t>화</a:t>
+            </a:r>
+          </a:p>
+        </p:txBody>
+      </p:sp>
+      <p:sp>
+        <p:nvSpPr>
+          <p:cNvPr id="4" name="슬라이드 번호 개체 틀 3"/>
+          <p:cNvSpPr>
+            <a:spLocks noGrp="1"/>
+          </p:cNvSpPr>
+          <p:nvPr>
+            <p:ph type="sldNum" sz="quarter" idx="12"/>
+          </p:nvPr>
+        </p:nvSpPr>
+        <p:spPr/>
+        <p:txBody>
+          <a:bodyPr/>
+          <a:lstStyle/>
+          <a:p>
+            <a:fld id="{1BDE3FE7-3AEA-4B05-AC5A-802D1816ACF0}" type="slidenum">
+              <a:rPr lang="ko-KR" altLang="en-US" smtClean="0"/>
+              <a:t>16</a:t>
+            </a:fld>
+            <a:endParaRPr lang="ko-KR" altLang="en-US"/>
+          </a:p>
+        </p:txBody>
+      </p:sp>
+      <p:sp>
+        <p:nvSpPr>
+          <p:cNvPr id="7" name="직사각형 6"/>
+          <p:cNvSpPr/>
+          <p:nvPr/>
+        </p:nvSpPr>
+        <p:spPr>
+          <a:xfrm>
+            <a:off x="704528" y="1336993"/>
+            <a:ext cx="8496944" cy="1338828"/>
+          </a:xfrm>
+          <a:prstGeom prst="rect">
+            <a:avLst/>
+          </a:prstGeom>
+        </p:spPr>
+        <p:txBody>
+          <a:bodyPr wrap="square">
+            <a:spAutoFit/>
+          </a:bodyPr>
+          <a:lstStyle/>
+          <a:p>
+            <a:pPr>
+              <a:lnSpc>
+                <a:spcPct val="150000"/>
+              </a:lnSpc>
+            </a:pPr>
+            <a:r>
+              <a:rPr lang="en-US" altLang="ko-KR" b="1" dirty="0" smtClean="0"/>
+              <a:t>    - </a:t>
+            </a:r>
+            <a:r>
+              <a:rPr lang="ko-KR" altLang="en-US" b="1" dirty="0" smtClean="0"/>
+              <a:t>그룹화</a:t>
+            </a:r>
+            <a:endParaRPr lang="en-US" altLang="ko-KR" b="1" dirty="0" smtClean="0"/>
+          </a:p>
+          <a:p>
+            <a:pPr>
+              <a:lnSpc>
+                <a:spcPct val="150000"/>
+              </a:lnSpc>
+            </a:pPr>
+            <a:r>
+              <a:rPr lang="en-US" altLang="ko-KR" b="1" dirty="0"/>
+              <a:t> </a:t>
+            </a:r>
+            <a:r>
+              <a:rPr lang="en-US" altLang="ko-KR" b="1" dirty="0" smtClean="0"/>
+              <a:t>      - </a:t>
+            </a:r>
+            <a:r>
+              <a:rPr lang="en-US" altLang="ko-KR" b="1" dirty="0" err="1" smtClean="0"/>
+              <a:t>crtl</a:t>
+            </a:r>
+            <a:r>
+              <a:rPr lang="en-US" altLang="ko-KR" b="1" dirty="0" smtClean="0"/>
+              <a:t> + G</a:t>
+            </a:r>
+          </a:p>
+          <a:p>
+            <a:pPr>
+              <a:lnSpc>
+                <a:spcPct val="150000"/>
+              </a:lnSpc>
+            </a:pPr>
+            <a:r>
+              <a:rPr lang="en-US" altLang="ko-KR" b="1" dirty="0"/>
+              <a:t> </a:t>
+            </a:r>
+            <a:r>
+              <a:rPr lang="en-US" altLang="ko-KR" b="1" dirty="0" smtClean="0"/>
+              <a:t>      - </a:t>
+            </a:r>
+            <a:r>
+              <a:rPr lang="ko-KR" altLang="en-US" b="1" dirty="0" smtClean="0"/>
+              <a:t>정렬 </a:t>
+            </a:r>
+            <a:r>
+              <a:rPr lang="en-US" altLang="ko-KR" b="1" dirty="0" smtClean="0"/>
+              <a:t>: </a:t>
+            </a:r>
+            <a:r>
+              <a:rPr lang="ko-KR" altLang="en-US" b="1" dirty="0" smtClean="0"/>
+              <a:t>사각형과 텍스트 객체</a:t>
+            </a:r>
+            <a:endParaRPr lang="en-US" altLang="ko-KR" b="1" dirty="0" smtClean="0"/>
+          </a:p>
+        </p:txBody>
+      </p:sp>
+      <p:pic>
+        <p:nvPicPr>
+          <p:cNvPr id="3" name="그림 2"/>
+          <p:cNvPicPr>
+            <a:picLocks noChangeAspect="1"/>
+          </p:cNvPicPr>
+          <p:nvPr/>
+        </p:nvPicPr>
+        <p:blipFill>
+          <a:blip r:embed="rId2">
+            <a:extLst>
+              <a:ext uri="{28A0092B-C50C-407E-A947-70E740481C1C}">
+                <a14:useLocalDpi xmlns:a14="http://schemas.microsoft.com/office/drawing/2010/main" val="0"/>
+              </a:ext>
+            </a:extLst>
+          </a:blip>
+          <a:stretch>
+            <a:fillRect/>
+          </a:stretch>
+        </p:blipFill>
+        <p:spPr>
+          <a:xfrm>
+            <a:off x="6869248" y="3211106"/>
+            <a:ext cx="2613887" cy="518205"/>
+          </a:xfrm>
+          <a:prstGeom prst="rect">
+            <a:avLst/>
+          </a:prstGeom>
+          <a:ln>
+            <a:solidFill>
+              <a:schemeClr val="bg1">
+                <a:lumMod val="85000"/>
+              </a:schemeClr>
+            </a:solidFill>
+          </a:ln>
+        </p:spPr>
+      </p:pic>
+      <p:pic>
+        <p:nvPicPr>
+          <p:cNvPr id="5" name="그림 4"/>
+          <p:cNvPicPr>
+            <a:picLocks noChangeAspect="1"/>
+          </p:cNvPicPr>
+          <p:nvPr/>
+        </p:nvPicPr>
+        <p:blipFill>
+          <a:blip r:embed="rId3">
+            <a:extLst>
+              <a:ext uri="{28A0092B-C50C-407E-A947-70E740481C1C}">
+                <a14:useLocalDpi xmlns:a14="http://schemas.microsoft.com/office/drawing/2010/main" val="0"/>
+              </a:ext>
+            </a:extLst>
+          </a:blip>
+          <a:stretch>
+            <a:fillRect/>
+          </a:stretch>
+        </p:blipFill>
+        <p:spPr>
+          <a:xfrm>
+            <a:off x="4592960" y="2854161"/>
+            <a:ext cx="2118544" cy="1234547"/>
+          </a:xfrm>
+          <a:prstGeom prst="rect">
+            <a:avLst/>
+          </a:prstGeom>
+        </p:spPr>
+      </p:pic>
+      <p:pic>
+        <p:nvPicPr>
+          <p:cNvPr id="10" name="그림 9"/>
+          <p:cNvPicPr>
+            <a:picLocks noChangeAspect="1"/>
+          </p:cNvPicPr>
+          <p:nvPr/>
+        </p:nvPicPr>
+        <p:blipFill>
+          <a:blip r:embed="rId4">
+            <a:extLst>
+              <a:ext uri="{28A0092B-C50C-407E-A947-70E740481C1C}">
+                <a14:useLocalDpi xmlns:a14="http://schemas.microsoft.com/office/drawing/2010/main" val="0"/>
+              </a:ext>
+            </a:extLst>
+          </a:blip>
+          <a:stretch>
+            <a:fillRect/>
+          </a:stretch>
+        </p:blipFill>
+        <p:spPr>
+          <a:xfrm>
+            <a:off x="2072680" y="2852936"/>
+            <a:ext cx="2376264" cy="1311042"/>
+          </a:xfrm>
+          <a:prstGeom prst="rect">
+            <a:avLst/>
+          </a:prstGeom>
+          <a:ln>
+            <a:solidFill>
+              <a:schemeClr val="bg1">
+                <a:lumMod val="85000"/>
+              </a:schemeClr>
+            </a:solidFill>
+          </a:ln>
+        </p:spPr>
+      </p:pic>
+      <p:pic>
+        <p:nvPicPr>
+          <p:cNvPr id="11" name="그림 10"/>
+          <p:cNvPicPr>
+            <a:picLocks noChangeAspect="1"/>
+          </p:cNvPicPr>
+          <p:nvPr/>
+        </p:nvPicPr>
+        <p:blipFill rotWithShape="1">
+          <a:blip r:embed="rId5">
+            <a:extLst>
+              <a:ext uri="{28A0092B-C50C-407E-A947-70E740481C1C}">
+                <a14:useLocalDpi xmlns:a14="http://schemas.microsoft.com/office/drawing/2010/main" val="0"/>
+              </a:ext>
+            </a:extLst>
+          </a:blip>
+          <a:srcRect l="4145" r="6022"/>
+          <a:stretch/>
+        </p:blipFill>
+        <p:spPr>
+          <a:xfrm>
+            <a:off x="2145323" y="4480651"/>
+            <a:ext cx="2716824" cy="1950272"/>
+          </a:xfrm>
+          <a:prstGeom prst="rect">
+            <a:avLst/>
+          </a:prstGeom>
+        </p:spPr>
+      </p:pic>
+    </p:spTree>
+    <p:extLst>
+      <p:ext uri="{BB962C8B-B14F-4D97-AF65-F5344CB8AC3E}">
+        <p14:creationId xmlns:p14="http://schemas.microsoft.com/office/powerpoint/2010/main" val="891506574"/>
+      </p:ext>
+    </p:extLst>
+  </p:cSld>
+  <p:clrMapOvr>
+    <a:masterClrMapping/>
+  </p:clrMapOvr>
+  <p:timing>
+    <p:tnLst>
+      <p:par>
+        <p:cTn id="1" dur="indefinite" restart="never" nodeType="tmRoot"/>
+      </p:par>
+    </p:tnLst>
+  </p:timing>
+</p:sld>
+</file>
+
+<file path=ppt/slides/slide17.xml><?xml version="1.0" encoding="utf-8"?>
+<p:sld xmlns:a="http://schemas.openxmlformats.org/drawingml/2006/main" xmlns:r="http://schemas.openxmlformats.org/officeDocument/2006/relationships" xmlns:p="http://schemas.openxmlformats.org/presentationml/2006/main">
+  <p:cSld>
+    <p:spTree>
+      <p:nvGrpSpPr>
+        <p:cNvPr id="1" name=""/>
+        <p:cNvGrpSpPr/>
+        <p:nvPr/>
+      </p:nvGrpSpPr>
+      <p:grpSpPr>
+        <a:xfrm>
+          <a:off x="0" y="0"/>
+          <a:ext cx="0" cy="0"/>
+          <a:chOff x="0" y="0"/>
+          <a:chExt cx="0" cy="0"/>
+        </a:xfrm>
+      </p:grpSpPr>
+      <p:sp>
+        <p:nvSpPr>
+          <p:cNvPr id="2" name="제목 1"/>
+          <p:cNvSpPr>
+            <a:spLocks noGrp="1"/>
+          </p:cNvSpPr>
+          <p:nvPr>
+            <p:ph type="title"/>
+          </p:nvPr>
+        </p:nvSpPr>
+        <p:spPr>
+          <a:xfrm>
+            <a:off x="416497" y="197768"/>
+            <a:ext cx="6412780" cy="854968"/>
+          </a:xfrm>
+        </p:spPr>
+        <p:txBody>
+          <a:bodyPr>
+            <a:noAutofit/>
+          </a:bodyPr>
+          <a:lstStyle/>
+          <a:p>
+            <a:r>
+              <a:rPr lang="en-US" altLang="ko-KR" sz="2800" dirty="0" smtClean="0"/>
+              <a:t>   </a:t>
+            </a:r>
+            <a:r>
+              <a:rPr lang="en-US" altLang="ko-KR" sz="2800" dirty="0" err="1" smtClean="0"/>
+              <a:t>Figma</a:t>
+            </a:r>
+            <a:r>
+              <a:rPr lang="ko-KR" altLang="en-US" sz="2800" dirty="0"/>
+              <a:t> </a:t>
+            </a:r>
+            <a:r>
+              <a:rPr lang="en-US" altLang="ko-KR" sz="2800" dirty="0" smtClean="0"/>
+              <a:t>- </a:t>
+            </a:r>
+            <a:r>
+              <a:rPr lang="en-US" altLang="ko-KR" sz="2800" b="1" dirty="0"/>
+              <a:t>EFFECT(</a:t>
+            </a:r>
+            <a:r>
+              <a:rPr lang="ko-KR" altLang="en-US" sz="2800" b="1" dirty="0" err="1"/>
+              <a:t>이펙트</a:t>
+            </a:r>
+            <a:r>
+              <a:rPr lang="en-US" altLang="ko-KR" sz="2800" b="1" dirty="0"/>
+              <a:t>)</a:t>
+            </a:r>
+            <a:r>
+              <a:rPr lang="en-US" altLang="ko-KR" sz="2800" dirty="0" smtClean="0"/>
+              <a:t> </a:t>
+            </a:r>
+            <a:endParaRPr lang="ko-KR" altLang="en-US" sz="2800" dirty="0"/>
+          </a:p>
+        </p:txBody>
+      </p:sp>
+      <p:sp>
+        <p:nvSpPr>
+          <p:cNvPr id="4" name="슬라이드 번호 개체 틀 3"/>
+          <p:cNvSpPr>
+            <a:spLocks noGrp="1"/>
+          </p:cNvSpPr>
+          <p:nvPr>
+            <p:ph type="sldNum" sz="quarter" idx="12"/>
+          </p:nvPr>
+        </p:nvSpPr>
+        <p:spPr/>
+        <p:txBody>
+          <a:bodyPr/>
+          <a:lstStyle/>
+          <a:p>
+            <a:fld id="{1BDE3FE7-3AEA-4B05-AC5A-802D1816ACF0}" type="slidenum">
+              <a:rPr lang="ko-KR" altLang="en-US" smtClean="0"/>
+              <a:t>17</a:t>
+            </a:fld>
+            <a:endParaRPr lang="ko-KR" altLang="en-US"/>
+          </a:p>
+        </p:txBody>
+      </p:sp>
+      <p:sp>
+        <p:nvSpPr>
+          <p:cNvPr id="7" name="직사각형 6"/>
+          <p:cNvSpPr/>
+          <p:nvPr/>
+        </p:nvSpPr>
+        <p:spPr>
+          <a:xfrm>
+            <a:off x="704528" y="1336993"/>
+            <a:ext cx="8496944" cy="454292"/>
+          </a:xfrm>
+          <a:prstGeom prst="rect">
+            <a:avLst/>
+          </a:prstGeom>
+        </p:spPr>
+        <p:txBody>
+          <a:bodyPr wrap="square">
+            <a:spAutoFit/>
+          </a:bodyPr>
+          <a:lstStyle/>
+          <a:p>
+            <a:pPr>
+              <a:lnSpc>
+                <a:spcPct val="150000"/>
+              </a:lnSpc>
+            </a:pPr>
+            <a:r>
+              <a:rPr lang="en-US" altLang="ko-KR" b="1" dirty="0" smtClean="0"/>
+              <a:t>    - EFFECT(</a:t>
+            </a:r>
+            <a:r>
+              <a:rPr lang="ko-KR" altLang="en-US" b="1" dirty="0" err="1" smtClean="0"/>
+              <a:t>이펙트</a:t>
+            </a:r>
+            <a:r>
+              <a:rPr lang="en-US" altLang="ko-KR" b="1" dirty="0" smtClean="0"/>
+              <a:t>) </a:t>
+            </a:r>
+            <a:r>
+              <a:rPr lang="ko-KR" altLang="en-US" b="1" dirty="0" smtClean="0"/>
+              <a:t>효과</a:t>
+            </a:r>
+            <a:endParaRPr lang="en-US" altLang="ko-KR" b="1" dirty="0" smtClean="0"/>
+          </a:p>
+        </p:txBody>
+      </p:sp>
+      <p:pic>
+        <p:nvPicPr>
+          <p:cNvPr id="6" name="그림 5"/>
+          <p:cNvPicPr>
+            <a:picLocks noChangeAspect="1"/>
+          </p:cNvPicPr>
+          <p:nvPr/>
+        </p:nvPicPr>
+        <p:blipFill>
+          <a:blip r:embed="rId2">
+            <a:extLst>
+              <a:ext uri="{28A0092B-C50C-407E-A947-70E740481C1C}">
+                <a14:useLocalDpi xmlns:a14="http://schemas.microsoft.com/office/drawing/2010/main" val="0"/>
+              </a:ext>
+            </a:extLst>
+          </a:blip>
+          <a:stretch>
+            <a:fillRect/>
+          </a:stretch>
+        </p:blipFill>
+        <p:spPr>
+          <a:xfrm>
+            <a:off x="1208584" y="1988840"/>
+            <a:ext cx="2232854" cy="1348857"/>
+          </a:xfrm>
+          <a:prstGeom prst="rect">
+            <a:avLst/>
+          </a:prstGeom>
+        </p:spPr>
+      </p:pic>
+      <p:pic>
+        <p:nvPicPr>
+          <p:cNvPr id="8" name="그림 7"/>
+          <p:cNvPicPr>
+            <a:picLocks noChangeAspect="1"/>
+          </p:cNvPicPr>
+          <p:nvPr/>
+        </p:nvPicPr>
+        <p:blipFill>
+          <a:blip r:embed="rId3">
+            <a:extLst>
+              <a:ext uri="{28A0092B-C50C-407E-A947-70E740481C1C}">
+                <a14:useLocalDpi xmlns:a14="http://schemas.microsoft.com/office/drawing/2010/main" val="0"/>
+              </a:ext>
+            </a:extLst>
+          </a:blip>
+          <a:stretch>
+            <a:fillRect/>
+          </a:stretch>
+        </p:blipFill>
+        <p:spPr>
+          <a:xfrm>
+            <a:off x="3656856" y="2305097"/>
+            <a:ext cx="2179509" cy="716342"/>
+          </a:xfrm>
+          <a:prstGeom prst="rect">
+            <a:avLst/>
+          </a:prstGeom>
+          <a:ln>
+            <a:solidFill>
+              <a:schemeClr val="bg1">
+                <a:lumMod val="85000"/>
+              </a:schemeClr>
+            </a:solidFill>
+          </a:ln>
+        </p:spPr>
+      </p:pic>
+      <p:pic>
+        <p:nvPicPr>
+          <p:cNvPr id="3" name="그림 2"/>
+          <p:cNvPicPr>
+            <a:picLocks noChangeAspect="1"/>
+          </p:cNvPicPr>
+          <p:nvPr/>
+        </p:nvPicPr>
+        <p:blipFill>
+          <a:blip r:embed="rId4">
+            <a:extLst>
+              <a:ext uri="{28A0092B-C50C-407E-A947-70E740481C1C}">
+                <a14:useLocalDpi xmlns:a14="http://schemas.microsoft.com/office/drawing/2010/main" val="0"/>
+              </a:ext>
+            </a:extLst>
+          </a:blip>
+          <a:stretch>
+            <a:fillRect/>
+          </a:stretch>
+        </p:blipFill>
+        <p:spPr>
+          <a:xfrm>
+            <a:off x="4448944" y="3337697"/>
+            <a:ext cx="2209992" cy="1539373"/>
+          </a:xfrm>
+          <a:prstGeom prst="rect">
+            <a:avLst/>
+          </a:prstGeom>
+          <a:ln>
+            <a:solidFill>
+              <a:schemeClr val="bg1">
+                <a:lumMod val="85000"/>
+              </a:schemeClr>
+            </a:solidFill>
+          </a:ln>
+        </p:spPr>
+      </p:pic>
+      <p:cxnSp>
+        <p:nvCxnSpPr>
+          <p:cNvPr id="9" name="직선 화살표 연결선 8"/>
+          <p:cNvCxnSpPr/>
+          <p:nvPr/>
+        </p:nvCxnSpPr>
+        <p:spPr>
+          <a:xfrm>
+            <a:off x="3944888" y="2924944"/>
+            <a:ext cx="504056" cy="576064"/>
+          </a:xfrm>
+          <a:prstGeom prst="straightConnector1">
+            <a:avLst/>
+          </a:prstGeom>
+          <a:ln w="19050">
+            <a:solidFill>
+              <a:srgbClr val="C00000"/>
+            </a:solidFill>
+            <a:tailEnd type="arrow"/>
+          </a:ln>
+        </p:spPr>
+        <p:style>
+          <a:lnRef idx="1">
+            <a:schemeClr val="accent1"/>
+          </a:lnRef>
+          <a:fillRef idx="0">
+            <a:schemeClr val="accent1"/>
+          </a:fillRef>
+          <a:effectRef idx="0">
+            <a:schemeClr val="accent1"/>
+          </a:effectRef>
+          <a:fontRef idx="minor">
+            <a:schemeClr val="tx1"/>
+          </a:fontRef>
+        </p:style>
+      </p:cxnSp>
+      <p:sp>
+        <p:nvSpPr>
+          <p:cNvPr id="13" name="TextBox 12"/>
+          <p:cNvSpPr txBox="1"/>
+          <p:nvPr/>
+        </p:nvSpPr>
+        <p:spPr>
+          <a:xfrm>
+            <a:off x="4448944" y="5151185"/>
+            <a:ext cx="3816424" cy="646331"/>
+          </a:xfrm>
+          <a:prstGeom prst="rect">
+            <a:avLst/>
+          </a:prstGeom>
+          <a:noFill/>
+        </p:spPr>
+        <p:txBody>
+          <a:bodyPr wrap="square" rtlCol="0">
+            <a:spAutoFit/>
+          </a:bodyPr>
+          <a:lstStyle/>
+          <a:p>
+            <a:r>
+              <a:rPr lang="en-US" altLang="ko-KR" dirty="0"/>
+              <a:t>x</a:t>
+            </a:r>
+            <a:r>
+              <a:rPr lang="en-US" altLang="ko-KR" dirty="0" smtClean="0"/>
+              <a:t> – 1px, y – 2px , blur-1px, #000</a:t>
+            </a:r>
+          </a:p>
+          <a:p>
+            <a:r>
+              <a:rPr lang="en-US" altLang="ko-KR" dirty="0" smtClean="0"/>
+              <a:t>blur(</a:t>
+            </a:r>
+            <a:r>
+              <a:rPr lang="ko-KR" altLang="en-US" dirty="0" err="1" smtClean="0"/>
+              <a:t>번짐정도</a:t>
+            </a:r>
+            <a:r>
+              <a:rPr lang="en-US" altLang="ko-KR" dirty="0" smtClean="0"/>
+              <a:t>)</a:t>
+            </a:r>
+            <a:endParaRPr lang="ko-KR" altLang="en-US" dirty="0"/>
+          </a:p>
+        </p:txBody>
+      </p:sp>
+    </p:spTree>
+    <p:extLst>
+      <p:ext uri="{BB962C8B-B14F-4D97-AF65-F5344CB8AC3E}">
+        <p14:creationId xmlns:p14="http://schemas.microsoft.com/office/powerpoint/2010/main" val="479852610"/>
+      </p:ext>
+    </p:extLst>
+  </p:cSld>
+  <p:clrMapOvr>
+    <a:masterClrMapping/>
+  </p:clrMapOvr>
+  <p:timing>
+    <p:tnLst>
+      <p:par>
+        <p:cTn id="1" dur="indefinite" restart="never" nodeType="tmRoot"/>
+      </p:par>
+    </p:tnLst>
+  </p:timing>
+</p:sld>
+</file>
+
+<file path=ppt/slides/slide18.xml><?xml version="1.0" encoding="utf-8"?>
+<p:sld xmlns:a="http://schemas.openxmlformats.org/drawingml/2006/main" xmlns:r="http://schemas.openxmlformats.org/officeDocument/2006/relationships" xmlns:p="http://schemas.openxmlformats.org/presentationml/2006/main">
+  <p:cSld>
+    <p:spTree>
+      <p:nvGrpSpPr>
+        <p:cNvPr id="1" name=""/>
+        <p:cNvGrpSpPr/>
+        <p:nvPr/>
+      </p:nvGrpSpPr>
+      <p:grpSpPr>
+        <a:xfrm>
+          <a:off x="0" y="0"/>
+          <a:ext cx="0" cy="0"/>
+          <a:chOff x="0" y="0"/>
+          <a:chExt cx="0" cy="0"/>
+        </a:xfrm>
+      </p:grpSpPr>
+      <p:sp>
+        <p:nvSpPr>
+          <p:cNvPr id="2" name="제목 1"/>
+          <p:cNvSpPr>
+            <a:spLocks noGrp="1"/>
+          </p:cNvSpPr>
+          <p:nvPr>
+            <p:ph type="title"/>
+          </p:nvPr>
+        </p:nvSpPr>
+        <p:spPr>
+          <a:xfrm>
+            <a:off x="416497" y="197768"/>
+            <a:ext cx="6412780" cy="854968"/>
+          </a:xfrm>
+        </p:spPr>
+        <p:txBody>
+          <a:bodyPr>
+            <a:noAutofit/>
+          </a:bodyPr>
+          <a:lstStyle/>
+          <a:p>
+            <a:r>
+              <a:rPr lang="en-US" altLang="ko-KR" sz="2800" dirty="0" smtClean="0"/>
+              <a:t>   </a:t>
+            </a:r>
+            <a:r>
+              <a:rPr lang="en-US" altLang="ko-KR" sz="2800" dirty="0" err="1" smtClean="0"/>
+              <a:t>Figma</a:t>
+            </a:r>
+            <a:r>
+              <a:rPr lang="ko-KR" altLang="en-US" sz="2800" dirty="0"/>
+              <a:t> </a:t>
+            </a:r>
+            <a:r>
+              <a:rPr lang="en-US" altLang="ko-KR" sz="2800" dirty="0" smtClean="0"/>
               <a:t>- Export</a:t>
             </a:r>
             <a:endParaRPr lang="ko-KR" altLang="en-US" sz="2800" dirty="0"/>
@@ -5810,7 +7022,7 @@
           <a:p>
             <a:fld id="{1BDE3FE7-3AEA-4B05-AC5A-802D1816ACF0}" type="slidenum">
               <a:rPr lang="ko-KR" altLang="en-US" smtClean="0"/>
-              <a:t>15</a:t>
+              <a:t>18</a:t>
             </a:fld>
             <a:endParaRPr lang="ko-KR" altLang="en-US"/>
           </a:p>
@@ -7731,7 +8943,11 @@
             </a:r>
             <a:r>
               <a:rPr lang="en-US" altLang="ko-KR" sz="2800" dirty="0" smtClean="0"/>
-              <a:t>- Shape</a:t>
+              <a:t>- </a:t>
+            </a:r>
+            <a:r>
+              <a:rPr lang="ko-KR" altLang="en-US" sz="2800" dirty="0" smtClean="0"/>
+              <a:t>프레임</a:t>
             </a:r>
             <a:endParaRPr lang="ko-KR" altLang="en-US" sz="2800" dirty="0"/>
           </a:p>
@@ -7788,11 +9004,11 @@
             </a:pPr>
             <a:r>
               <a:rPr lang="en-US" altLang="ko-KR" b="1" dirty="0" smtClean="0"/>
-              <a:t>    - shape </a:t>
+              <a:t>    - Frame </a:t>
             </a:r>
             <a:r>
               <a:rPr lang="ko-KR" altLang="en-US" b="1" dirty="0" smtClean="0"/>
-              <a:t>툴 사용</a:t>
+              <a:t>생성</a:t>
             </a:r>
             <a:endParaRPr lang="en-US" altLang="ko-KR" b="1" dirty="0" smtClean="0"/>
           </a:p>
@@ -7808,259 +9024,195 @@
             </a:r>
             <a:r>
               <a:rPr lang="en-US" altLang="ko-KR" b="1" dirty="0" smtClean="0"/>
-              <a:t>     </a:t>
+              <a:t>      </a:t>
             </a:r>
             <a:r>
               <a:rPr lang="ko-KR" altLang="en-US" b="1" dirty="0" smtClean="0"/>
-              <a:t>사각형</a:t>
+              <a:t>프레임</a:t>
             </a:r>
             <a:r>
               <a:rPr lang="en-US" altLang="ko-KR" b="1" dirty="0" smtClean="0"/>
-              <a:t>(</a:t>
+              <a:t>(#) &gt; </a:t>
             </a:r>
             <a:r>
               <a:rPr lang="ko-KR" altLang="en-US" b="1" dirty="0" smtClean="0"/>
-              <a:t>아이콘</a:t>
-            </a:r>
-            <a:r>
-              <a:rPr lang="en-US" altLang="ko-KR" b="1" dirty="0" smtClean="0"/>
-              <a:t>)</a:t>
+              <a:t>직접 그리기</a:t>
             </a:r>
             <a:endParaRPr lang="en-US" altLang="ko-KR" sz="2000" b="1" dirty="0"/>
           </a:p>
         </p:txBody>
       </p:sp>
-      <p:pic>
-        <p:nvPicPr>
-          <p:cNvPr id="5" name="그림 4"/>
-          <p:cNvPicPr>
-            <a:picLocks noChangeAspect="1"/>
-          </p:cNvPicPr>
+      <p:grpSp>
+        <p:nvGrpSpPr>
+          <p:cNvPr id="10" name="그룹 9"/>
+          <p:cNvGrpSpPr/>
           <p:nvPr/>
-        </p:nvPicPr>
-        <p:blipFill>
-          <a:blip r:embed="rId2">
-            <a:extLst>
-              <a:ext uri="{28A0092B-C50C-407E-A947-70E740481C1C}">
-                <a14:useLocalDpi xmlns:a14="http://schemas.microsoft.com/office/drawing/2010/main" val="0"/>
-              </a:ext>
-            </a:extLst>
-          </a:blip>
-          <a:stretch>
-            <a:fillRect/>
-          </a:stretch>
-        </p:blipFill>
-        <p:spPr>
-          <a:xfrm>
-            <a:off x="4664968" y="1577825"/>
-            <a:ext cx="2191841" cy="4597371"/>
-          </a:xfrm>
-          <a:prstGeom prst="rect">
-            <a:avLst/>
-          </a:prstGeom>
-        </p:spPr>
-      </p:pic>
-      <p:pic>
-        <p:nvPicPr>
-          <p:cNvPr id="6" name="그림 5"/>
-          <p:cNvPicPr>
-            <a:picLocks noChangeAspect="1"/>
-          </p:cNvPicPr>
-          <p:nvPr/>
-        </p:nvPicPr>
-        <p:blipFill>
-          <a:blip r:embed="rId3">
-            <a:extLst>
-              <a:ext uri="{28A0092B-C50C-407E-A947-70E740481C1C}">
-                <a14:useLocalDpi xmlns:a14="http://schemas.microsoft.com/office/drawing/2010/main" val="0"/>
-              </a:ext>
-            </a:extLst>
-          </a:blip>
-          <a:stretch>
-            <a:fillRect/>
-          </a:stretch>
-        </p:blipFill>
-        <p:spPr>
-          <a:xfrm>
-            <a:off x="1763754" y="2534484"/>
-            <a:ext cx="2280704" cy="1062694"/>
-          </a:xfrm>
-          <a:prstGeom prst="rect">
-            <a:avLst/>
-          </a:prstGeom>
-          <a:ln>
-            <a:solidFill>
-              <a:schemeClr val="bg1">
-                <a:lumMod val="85000"/>
-              </a:schemeClr>
-            </a:solidFill>
-          </a:ln>
-        </p:spPr>
-      </p:pic>
-      <p:pic>
-        <p:nvPicPr>
-          <p:cNvPr id="8" name="그림 7"/>
-          <p:cNvPicPr>
-            <a:picLocks noChangeAspect="1"/>
-          </p:cNvPicPr>
-          <p:nvPr/>
-        </p:nvPicPr>
-        <p:blipFill>
-          <a:blip r:embed="rId4">
-            <a:extLst>
-              <a:ext uri="{28A0092B-C50C-407E-A947-70E740481C1C}">
-                <a14:useLocalDpi xmlns:a14="http://schemas.microsoft.com/office/drawing/2010/main" val="0"/>
-              </a:ext>
-            </a:extLst>
-          </a:blip>
-          <a:stretch>
-            <a:fillRect/>
-          </a:stretch>
-        </p:blipFill>
-        <p:spPr>
-          <a:xfrm>
-            <a:off x="7185248" y="2348880"/>
-            <a:ext cx="2309060" cy="3734124"/>
-          </a:xfrm>
-          <a:prstGeom prst="rect">
-            <a:avLst/>
-          </a:prstGeom>
-        </p:spPr>
-      </p:pic>
-      <p:pic>
-        <p:nvPicPr>
-          <p:cNvPr id="9" name="그림 8"/>
-          <p:cNvPicPr>
-            <a:picLocks noChangeAspect="1"/>
-          </p:cNvPicPr>
-          <p:nvPr/>
-        </p:nvPicPr>
-        <p:blipFill>
-          <a:blip r:embed="rId5">
-            <a:extLst>
-              <a:ext uri="{28A0092B-C50C-407E-A947-70E740481C1C}">
-                <a14:useLocalDpi xmlns:a14="http://schemas.microsoft.com/office/drawing/2010/main" val="0"/>
-              </a:ext>
-            </a:extLst>
-          </a:blip>
-          <a:stretch>
-            <a:fillRect/>
-          </a:stretch>
-        </p:blipFill>
-        <p:spPr>
-          <a:xfrm>
-            <a:off x="1757892" y="3885209"/>
-            <a:ext cx="2286566" cy="1848047"/>
-          </a:xfrm>
-          <a:prstGeom prst="rect">
-            <a:avLst/>
-          </a:prstGeom>
-          <a:ln>
-            <a:solidFill>
-              <a:schemeClr val="bg1">
-                <a:lumMod val="85000"/>
-              </a:schemeClr>
-            </a:solidFill>
-          </a:ln>
-        </p:spPr>
-      </p:pic>
-      <p:sp>
-        <p:nvSpPr>
-          <p:cNvPr id="10" name="모서리가 둥근 직사각형 9"/>
-          <p:cNvSpPr/>
-          <p:nvPr/>
-        </p:nvSpPr>
-        <p:spPr>
-          <a:xfrm>
-            <a:off x="4184238" y="4484959"/>
-            <a:ext cx="2686408" cy="1176289"/>
-          </a:xfrm>
-          <a:prstGeom prst="roundRect">
-            <a:avLst/>
-          </a:prstGeom>
-          <a:ln/>
-        </p:spPr>
-        <p:style>
-          <a:lnRef idx="2">
-            <a:schemeClr val="accent2"/>
-          </a:lnRef>
-          <a:fillRef idx="1">
-            <a:schemeClr val="lt1"/>
-          </a:fillRef>
-          <a:effectRef idx="0">
-            <a:schemeClr val="accent2"/>
-          </a:effectRef>
-          <a:fontRef idx="minor">
-            <a:schemeClr val="dk1"/>
-          </a:fontRef>
-        </p:style>
-        <p:txBody>
-          <a:bodyPr rtlCol="0" anchor="ctr"/>
-          <a:lstStyle/>
-          <a:p>
-            <a:r>
-              <a:rPr lang="ko-KR" altLang="en-US" sz="1600" dirty="0" smtClean="0">
-                <a:solidFill>
-                  <a:srgbClr val="0070C0"/>
-                </a:solidFill>
-              </a:rPr>
-              <a:t> 개체 이동 </a:t>
-            </a:r>
-            <a:r>
-              <a:rPr lang="en-US" altLang="ko-KR" sz="1600" dirty="0" smtClean="0"/>
-              <a:t>: </a:t>
-            </a:r>
-          </a:p>
-          <a:p>
-            <a:r>
-              <a:rPr lang="ko-KR" altLang="en-US" sz="1600" dirty="0" smtClean="0"/>
-              <a:t>    방향키 </a:t>
-            </a:r>
-            <a:r>
-              <a:rPr lang="en-US" altLang="ko-KR" sz="1600" dirty="0" smtClean="0"/>
-              <a:t>(1px </a:t>
-            </a:r>
-            <a:r>
-              <a:rPr lang="ko-KR" altLang="en-US" sz="1600" dirty="0" smtClean="0"/>
-              <a:t>이동</a:t>
-            </a:r>
-            <a:r>
-              <a:rPr lang="en-US" altLang="ko-KR" sz="1600" dirty="0" smtClean="0"/>
-              <a:t>)</a:t>
-            </a:r>
-          </a:p>
-          <a:p>
-            <a:r>
-              <a:rPr lang="en-US" altLang="ko-KR" sz="1600" dirty="0"/>
-              <a:t> </a:t>
-            </a:r>
-            <a:r>
-              <a:rPr lang="en-US" altLang="ko-KR" sz="1600" dirty="0" smtClean="0"/>
-              <a:t>   shift + </a:t>
-            </a:r>
-            <a:r>
-              <a:rPr lang="ko-KR" altLang="en-US" sz="1600" dirty="0" smtClean="0"/>
-              <a:t>방향키</a:t>
-            </a:r>
-            <a:r>
-              <a:rPr lang="en-US" altLang="ko-KR" sz="1600" dirty="0" smtClean="0"/>
-              <a:t>(10 </a:t>
-            </a:r>
-            <a:r>
-              <a:rPr lang="ko-KR" altLang="en-US" sz="1600" dirty="0" smtClean="0"/>
-              <a:t>이동</a:t>
-            </a:r>
-            <a:r>
-              <a:rPr lang="en-US" altLang="ko-KR" sz="1600" dirty="0" smtClean="0"/>
-              <a:t>)</a:t>
-            </a:r>
-          </a:p>
-        </p:txBody>
-      </p:sp>
+        </p:nvGrpSpPr>
+        <p:grpSpPr>
+          <a:xfrm>
+            <a:off x="1352600" y="2515233"/>
+            <a:ext cx="7632848" cy="3247694"/>
+            <a:chOff x="1352600" y="2515233"/>
+            <a:chExt cx="7632848" cy="3247694"/>
+          </a:xfrm>
+        </p:grpSpPr>
+        <p:pic>
+          <p:nvPicPr>
+            <p:cNvPr id="6" name="그림 5"/>
+            <p:cNvPicPr>
+              <a:picLocks noChangeAspect="1"/>
+            </p:cNvPicPr>
+            <p:nvPr/>
+          </p:nvPicPr>
+          <p:blipFill rotWithShape="1">
+            <a:blip r:embed="rId2">
+              <a:extLst>
+                <a:ext uri="{28A0092B-C50C-407E-A947-70E740481C1C}">
+                  <a14:useLocalDpi xmlns:a14="http://schemas.microsoft.com/office/drawing/2010/main" val="0"/>
+                </a:ext>
+              </a:extLst>
+            </a:blip>
+            <a:srcRect t="11318"/>
+            <a:stretch/>
+          </p:blipFill>
+          <p:spPr>
+            <a:xfrm>
+              <a:off x="1352600" y="2515233"/>
+              <a:ext cx="7632848" cy="3247694"/>
+            </a:xfrm>
+            <a:prstGeom prst="rect">
+              <a:avLst/>
+            </a:prstGeom>
+            <a:ln>
+              <a:solidFill>
+                <a:schemeClr val="bg1">
+                  <a:lumMod val="85000"/>
+                </a:schemeClr>
+              </a:solidFill>
+            </a:ln>
+          </p:spPr>
+        </p:pic>
+        <p:sp>
+          <p:nvSpPr>
+            <p:cNvPr id="8" name="모서리가 둥근 직사각형 7"/>
+            <p:cNvSpPr/>
+            <p:nvPr/>
+          </p:nvSpPr>
+          <p:spPr>
+            <a:xfrm>
+              <a:off x="4160912" y="4148763"/>
+              <a:ext cx="1368152" cy="422709"/>
+            </a:xfrm>
+            <a:prstGeom prst="roundRect">
+              <a:avLst/>
+            </a:prstGeom>
+            <a:ln/>
+          </p:spPr>
+          <p:style>
+            <a:lnRef idx="2">
+              <a:schemeClr val="accent2"/>
+            </a:lnRef>
+            <a:fillRef idx="1">
+              <a:schemeClr val="lt1"/>
+            </a:fillRef>
+            <a:effectRef idx="0">
+              <a:schemeClr val="accent2"/>
+            </a:effectRef>
+            <a:fontRef idx="minor">
+              <a:schemeClr val="dk1"/>
+            </a:fontRef>
+          </p:style>
+          <p:txBody>
+            <a:bodyPr rtlCol="0" anchor="ctr"/>
+            <a:lstStyle/>
+            <a:p>
+              <a:r>
+                <a:rPr lang="ko-KR" altLang="en-US" sz="1600" dirty="0" smtClean="0">
+                  <a:solidFill>
+                    <a:srgbClr val="0070C0"/>
+                  </a:solidFill>
+                </a:rPr>
+                <a:t> </a:t>
+              </a:r>
+              <a:r>
+                <a:rPr lang="en-US" altLang="ko-KR" sz="1600" dirty="0" smtClean="0">
+                  <a:solidFill>
+                    <a:srgbClr val="0070C0"/>
+                  </a:solidFill>
+                </a:rPr>
+                <a:t>400 x 400</a:t>
+              </a:r>
+              <a:endParaRPr lang="en-US" altLang="ko-KR" sz="1600" dirty="0" smtClean="0"/>
+            </a:p>
+          </p:txBody>
+        </p:sp>
+        <p:sp>
+          <p:nvSpPr>
+            <p:cNvPr id="9" name="모서리가 둥근 직사각형 8"/>
+            <p:cNvSpPr/>
+            <p:nvPr/>
+          </p:nvSpPr>
+          <p:spPr>
+            <a:xfrm>
+              <a:off x="6969224" y="4139080"/>
+              <a:ext cx="1368152" cy="422709"/>
+            </a:xfrm>
+            <a:prstGeom prst="roundRect">
+              <a:avLst/>
+            </a:prstGeom>
+            <a:ln/>
+          </p:spPr>
+          <p:style>
+            <a:lnRef idx="2">
+              <a:schemeClr val="accent2"/>
+            </a:lnRef>
+            <a:fillRef idx="1">
+              <a:schemeClr val="lt1"/>
+            </a:fillRef>
+            <a:effectRef idx="0">
+              <a:schemeClr val="accent2"/>
+            </a:effectRef>
+            <a:fontRef idx="minor">
+              <a:schemeClr val="dk1"/>
+            </a:fontRef>
+          </p:style>
+          <p:txBody>
+            <a:bodyPr rtlCol="0" anchor="ctr"/>
+            <a:lstStyle/>
+            <a:p>
+              <a:r>
+                <a:rPr lang="ko-KR" altLang="en-US" sz="1600" dirty="0" smtClean="0">
+                  <a:solidFill>
+                    <a:srgbClr val="0070C0"/>
+                  </a:solidFill>
+                </a:rPr>
+                <a:t> </a:t>
+              </a:r>
+              <a:r>
+                <a:rPr lang="en-US" altLang="ko-KR" sz="1600" dirty="0">
+                  <a:solidFill>
+                    <a:srgbClr val="0070C0"/>
+                  </a:solidFill>
+                </a:rPr>
+                <a:t>3</a:t>
+              </a:r>
+              <a:r>
+                <a:rPr lang="en-US" altLang="ko-KR" sz="1600" dirty="0" smtClean="0">
+                  <a:solidFill>
+                    <a:srgbClr val="0070C0"/>
+                  </a:solidFill>
+                </a:rPr>
+                <a:t>00 x 300</a:t>
+              </a:r>
+              <a:endParaRPr lang="en-US" altLang="ko-KR" sz="1600" dirty="0" smtClean="0"/>
+            </a:p>
+          </p:txBody>
+        </p:sp>
+      </p:grpSp>
     </p:spTree>
     <p:extLst>
       <p:ext uri="{BB962C8B-B14F-4D97-AF65-F5344CB8AC3E}">
-        <p14:creationId xmlns:p14="http://schemas.microsoft.com/office/powerpoint/2010/main" val="2582541842"/>
+        <p14:creationId xmlns:p14="http://schemas.microsoft.com/office/powerpoint/2010/main" val="903280110"/>
       </p:ext>
     </p:extLst>
   </p:cSld>
